--- a/Dashboard Blueprint.pptx
+++ b/Dashboard Blueprint.pptx
@@ -12,6 +12,7 @@
     <p:sldId id="257" r:id="rId7"/>
     <p:sldId id="258" r:id="rId8"/>
     <p:sldId id="259" r:id="rId9"/>
+    <p:sldId id="260" r:id="rId10"/>
   </p:sldIdLst>
   <p:sldSz cy="5143500" cx="9144000"/>
   <p:notesSz cx="6858000" cy="9144000"/>
@@ -807,7 +808,7 @@
       </p:grpSpPr>
       <p:sp>
         <p:nvSpPr>
-          <p:cNvPr id="57" name="Google Shape;57;g1421e8b540f_0_13:notes"/>
+          <p:cNvPr id="57" name="Google Shape;57;g147ac658b10_0_0:notes"/>
           <p:cNvSpPr/>
           <p:nvPr>
             <p:ph idx="2" type="sldImg"/>
@@ -842,7 +843,7 @@
       </p:sp>
       <p:sp>
         <p:nvSpPr>
-          <p:cNvPr id="58" name="Google Shape;58;g1421e8b540f_0_13:notes"/>
+          <p:cNvPr id="58" name="Google Shape;58;g147ac658b10_0_0:notes"/>
           <p:cNvSpPr txBox="1"/>
           <p:nvPr>
             <p:ph idx="1" type="body"/>
@@ -892,7 +893,7 @@
   <p:cSld>
     <p:spTree>
       <p:nvGrpSpPr>
-        <p:cNvPr id="62" name="Shape 62"/>
+        <p:cNvPr id="61" name="Shape 61"/>
         <p:cNvGrpSpPr/>
         <p:nvPr/>
       </p:nvGrpSpPr>
@@ -906,7 +907,7 @@
       </p:grpSpPr>
       <p:sp>
         <p:nvSpPr>
-          <p:cNvPr id="63" name="Google Shape;63;g1421e8b540f_0_5:notes"/>
+          <p:cNvPr id="62" name="Google Shape;62;g1421e8b540f_0_13:notes"/>
           <p:cNvSpPr/>
           <p:nvPr>
             <p:ph idx="2" type="sldImg"/>
@@ -941,7 +942,7 @@
       </p:sp>
       <p:sp>
         <p:nvSpPr>
-          <p:cNvPr id="64" name="Google Shape;64;g1421e8b540f_0_5:notes"/>
+          <p:cNvPr id="63" name="Google Shape;63;g1421e8b540f_0_13:notes"/>
           <p:cNvSpPr txBox="1"/>
           <p:nvPr>
             <p:ph idx="1" type="body"/>
@@ -991,7 +992,7 @@
   <p:cSld>
     <p:spTree>
       <p:nvGrpSpPr>
-        <p:cNvPr id="68" name="Shape 68"/>
+        <p:cNvPr id="67" name="Shape 67"/>
         <p:cNvGrpSpPr/>
         <p:nvPr/>
       </p:nvGrpSpPr>
@@ -1005,7 +1006,7 @@
       </p:grpSpPr>
       <p:sp>
         <p:nvSpPr>
-          <p:cNvPr id="69" name="Google Shape;69;g1421e8b540f_0_18:notes"/>
+          <p:cNvPr id="68" name="Google Shape;68;g1421e8b540f_0_5:notes"/>
           <p:cNvSpPr/>
           <p:nvPr>
             <p:ph idx="2" type="sldImg"/>
@@ -1040,7 +1041,106 @@
       </p:sp>
       <p:sp>
         <p:nvSpPr>
-          <p:cNvPr id="70" name="Google Shape;70;g1421e8b540f_0_18:notes"/>
+          <p:cNvPr id="69" name="Google Shape;69;g1421e8b540f_0_5:notes"/>
+          <p:cNvSpPr txBox="1"/>
+          <p:nvPr>
+            <p:ph idx="1" type="body"/>
+          </p:nvPr>
+        </p:nvSpPr>
+        <p:spPr>
+          <a:xfrm>
+            <a:off x="685800" y="4343400"/>
+            <a:ext cx="5486400" cy="4114800"/>
+          </a:xfrm>
+          <a:prstGeom prst="rect">
+            <a:avLst/>
+          </a:prstGeom>
+        </p:spPr>
+        <p:txBody>
+          <a:bodyPr anchorCtr="0" anchor="t" bIns="91425" lIns="91425" spcFirstLastPara="1" rIns="91425" wrap="square" tIns="91425">
+            <a:noAutofit/>
+          </a:bodyPr>
+          <a:lstStyle/>
+          <a:p>
+            <a:pPr indent="0" lvl="0" marL="0" rtl="0" algn="l">
+              <a:spcBef>
+                <a:spcPts val="0"/>
+              </a:spcBef>
+              <a:spcAft>
+                <a:spcPts val="0"/>
+              </a:spcAft>
+              <a:buNone/>
+            </a:pPr>
+            <a:r>
+              <a:t/>
+            </a:r>
+            <a:endParaRPr/>
+          </a:p>
+        </p:txBody>
+      </p:sp>
+    </p:spTree>
+  </p:cSld>
+  <p:clrMapOvr>
+    <a:masterClrMapping/>
+  </p:clrMapOvr>
+</p:notes>
+</file>
+
+<file path=ppt/notesSlides/notesSlide5.xml><?xml version="1.0" encoding="utf-8"?>
+<p:notes xmlns:a="http://schemas.openxmlformats.org/drawingml/2006/main" xmlns:r="http://schemas.openxmlformats.org/officeDocument/2006/relationships" xmlns:mc="http://schemas.openxmlformats.org/markup-compatibility/2006" xmlns:mv="urn:schemas-microsoft-com:mac:vml" xmlns:p="http://schemas.openxmlformats.org/presentationml/2006/main" xmlns:c="http://schemas.openxmlformats.org/drawingml/2006/chart" xmlns:dgm="http://schemas.openxmlformats.org/drawingml/2006/diagram" xmlns:o="urn:schemas-microsoft-com:office:office" xmlns:v="urn:schemas-microsoft-com:vml" xmlns:pvml="urn:schemas-microsoft-com:office:powerpoint" xmlns:com="http://schemas.openxmlformats.org/drawingml/2006/compatibility" xmlns:p14="http://schemas.microsoft.com/office/powerpoint/2010/main" xmlns:p15="http://schemas.microsoft.com/office/powerpoint/2012/main" xmlns:ahyp="http://schemas.microsoft.com/office/drawing/2018/hyperlinkcolor" showMasterPhAnim="0" showMasterSp="0">
+  <p:cSld>
+    <p:spTree>
+      <p:nvGrpSpPr>
+        <p:cNvPr id="73" name="Shape 73"/>
+        <p:cNvGrpSpPr/>
+        <p:nvPr/>
+      </p:nvGrpSpPr>
+      <p:grpSpPr>
+        <a:xfrm>
+          <a:off x="0" y="0"/>
+          <a:ext cx="0" cy="0"/>
+          <a:chOff x="0" y="0"/>
+          <a:chExt cx="0" cy="0"/>
+        </a:xfrm>
+      </p:grpSpPr>
+      <p:sp>
+        <p:nvSpPr>
+          <p:cNvPr id="74" name="Google Shape;74;g1421e8b540f_0_18:notes"/>
+          <p:cNvSpPr/>
+          <p:nvPr>
+            <p:ph idx="2" type="sldImg"/>
+          </p:nvPr>
+        </p:nvSpPr>
+        <p:spPr>
+          <a:xfrm>
+            <a:off x="381300" y="685800"/>
+            <a:ext cx="6096000" cy="3429000"/>
+          </a:xfrm>
+          <a:custGeom>
+            <a:rect b="b" l="l" r="r" t="t"/>
+            <a:pathLst>
+              <a:path extrusionOk="0" h="120000" w="120000">
+                <a:moveTo>
+                  <a:pt x="0" y="0"/>
+                </a:moveTo>
+                <a:lnTo>
+                  <a:pt x="120000" y="0"/>
+                </a:lnTo>
+                <a:lnTo>
+                  <a:pt x="120000" y="120000"/>
+                </a:lnTo>
+                <a:lnTo>
+                  <a:pt x="0" y="120000"/>
+                </a:lnTo>
+                <a:close/>
+              </a:path>
+            </a:pathLst>
+          </a:custGeom>
+        </p:spPr>
+      </p:sp>
+      <p:sp>
+        <p:nvSpPr>
+          <p:cNvPr id="75" name="Google Shape;75;g1421e8b540f_0_18:notes"/>
           <p:cNvSpPr txBox="1"/>
           <p:nvPr>
             <p:ph idx="1" type="body"/>
@@ -5861,6 +5961,71 @@
           <p:cNvPr id="60" name="Google Shape;60;p14"/>
           <p:cNvSpPr txBox="1"/>
           <p:nvPr>
+            <p:ph type="ctrTitle"/>
+          </p:nvPr>
+        </p:nvSpPr>
+        <p:spPr>
+          <a:xfrm>
+            <a:off x="311708" y="744575"/>
+            <a:ext cx="8520600" cy="2052600"/>
+          </a:xfrm>
+          <a:prstGeom prst="rect">
+            <a:avLst/>
+          </a:prstGeom>
+        </p:spPr>
+        <p:txBody>
+          <a:bodyPr anchorCtr="0" anchor="b" bIns="91425" lIns="91425" spcFirstLastPara="1" rIns="91425" wrap="square" tIns="91425">
+            <a:normAutofit/>
+          </a:bodyPr>
+          <a:lstStyle/>
+          <a:p>
+            <a:pPr indent="0" lvl="0" marL="0" rtl="0" algn="ctr">
+              <a:spcBef>
+                <a:spcPts val="0"/>
+              </a:spcBef>
+              <a:spcAft>
+                <a:spcPts val="0"/>
+              </a:spcAft>
+              <a:buNone/>
+            </a:pPr>
+            <a:r>
+              <a:rPr lang="en"/>
+              <a:t>Electric vs. Manual Bikes</a:t>
+            </a:r>
+            <a:endParaRPr/>
+          </a:p>
+        </p:txBody>
+      </p:sp>
+    </p:spTree>
+  </p:cSld>
+  <p:clrMapOvr>
+    <a:masterClrMapping/>
+  </p:clrMapOvr>
+</p:sld>
+</file>
+
+<file path=ppt/slides/slide3.xml><?xml version="1.0" encoding="utf-8"?>
+<p:sld xmlns:a="http://schemas.openxmlformats.org/drawingml/2006/main" xmlns:r="http://schemas.openxmlformats.org/officeDocument/2006/relationships" xmlns:mc="http://schemas.openxmlformats.org/markup-compatibility/2006" xmlns:mv="urn:schemas-microsoft-com:mac:vml" xmlns:p="http://schemas.openxmlformats.org/presentationml/2006/main" xmlns:c="http://schemas.openxmlformats.org/drawingml/2006/chart" xmlns:dgm="http://schemas.openxmlformats.org/drawingml/2006/diagram" xmlns:o="urn:schemas-microsoft-com:office:office" xmlns:v="urn:schemas-microsoft-com:vml" xmlns:pvml="urn:schemas-microsoft-com:office:powerpoint" xmlns:com="http://schemas.openxmlformats.org/drawingml/2006/compatibility" xmlns:p14="http://schemas.microsoft.com/office/powerpoint/2010/main" xmlns:p15="http://schemas.microsoft.com/office/powerpoint/2012/main" xmlns:ahyp="http://schemas.microsoft.com/office/drawing/2018/hyperlinkcolor">
+  <p:cSld>
+    <p:spTree>
+      <p:nvGrpSpPr>
+        <p:cNvPr id="64" name="Shape 64"/>
+        <p:cNvGrpSpPr/>
+        <p:nvPr/>
+      </p:nvGrpSpPr>
+      <p:grpSpPr>
+        <a:xfrm>
+          <a:off x="0" y="0"/>
+          <a:ext cx="0" cy="0"/>
+          <a:chOff x="0" y="0"/>
+          <a:chExt cx="0" cy="0"/>
+        </a:xfrm>
+      </p:grpSpPr>
+      <p:sp>
+        <p:nvSpPr>
+          <p:cNvPr id="65" name="Google Shape;65;p15"/>
+          <p:cNvSpPr txBox="1"/>
+          <p:nvPr>
             <p:ph type="title"/>
           </p:nvPr>
         </p:nvSpPr>
@@ -5913,7 +6078,7 @@
       </p:sp>
       <p:sp>
         <p:nvSpPr>
-          <p:cNvPr id="61" name="Google Shape;61;p14"/>
+          <p:cNvPr id="66" name="Google Shape;66;p15"/>
           <p:cNvSpPr txBox="1"/>
           <p:nvPr>
             <p:ph idx="1" type="body"/>
@@ -5958,12 +6123,12 @@
 </p:sld>
 </file>
 
-<file path=ppt/slides/slide3.xml><?xml version="1.0" encoding="utf-8"?>
+<file path=ppt/slides/slide4.xml><?xml version="1.0" encoding="utf-8"?>
 <p:sld xmlns:a="http://schemas.openxmlformats.org/drawingml/2006/main" xmlns:r="http://schemas.openxmlformats.org/officeDocument/2006/relationships" xmlns:mc="http://schemas.openxmlformats.org/markup-compatibility/2006" xmlns:mv="urn:schemas-microsoft-com:mac:vml" xmlns:p="http://schemas.openxmlformats.org/presentationml/2006/main" xmlns:c="http://schemas.openxmlformats.org/drawingml/2006/chart" xmlns:dgm="http://schemas.openxmlformats.org/drawingml/2006/diagram" xmlns:o="urn:schemas-microsoft-com:office:office" xmlns:v="urn:schemas-microsoft-com:vml" xmlns:pvml="urn:schemas-microsoft-com:office:powerpoint" xmlns:com="http://schemas.openxmlformats.org/drawingml/2006/compatibility" xmlns:p14="http://schemas.microsoft.com/office/powerpoint/2010/main" xmlns:p15="http://schemas.microsoft.com/office/powerpoint/2012/main" xmlns:ahyp="http://schemas.microsoft.com/office/drawing/2018/hyperlinkcolor">
   <p:cSld>
     <p:spTree>
       <p:nvGrpSpPr>
-        <p:cNvPr id="65" name="Shape 65"/>
+        <p:cNvPr id="70" name="Shape 70"/>
         <p:cNvGrpSpPr/>
         <p:nvPr/>
       </p:nvGrpSpPr>
@@ -5977,7 +6142,7 @@
       </p:grpSpPr>
       <p:sp>
         <p:nvSpPr>
-          <p:cNvPr id="66" name="Google Shape;66;p15"/>
+          <p:cNvPr id="71" name="Google Shape;71;p16"/>
           <p:cNvSpPr txBox="1"/>
           <p:nvPr>
             <p:ph type="title"/>
@@ -6017,7 +6182,7 @@
       </p:sp>
       <p:sp>
         <p:nvSpPr>
-          <p:cNvPr id="67" name="Google Shape;67;p15"/>
+          <p:cNvPr id="72" name="Google Shape;72;p16"/>
           <p:cNvSpPr txBox="1"/>
           <p:nvPr>
             <p:ph idx="1" type="body"/>
@@ -6105,12 +6270,12 @@
 </p:sld>
 </file>
 
-<file path=ppt/slides/slide4.xml><?xml version="1.0" encoding="utf-8"?>
+<file path=ppt/slides/slide5.xml><?xml version="1.0" encoding="utf-8"?>
 <p:sld xmlns:a="http://schemas.openxmlformats.org/drawingml/2006/main" xmlns:r="http://schemas.openxmlformats.org/officeDocument/2006/relationships" xmlns:mc="http://schemas.openxmlformats.org/markup-compatibility/2006" xmlns:mv="urn:schemas-microsoft-com:mac:vml" xmlns:p="http://schemas.openxmlformats.org/presentationml/2006/main" xmlns:c="http://schemas.openxmlformats.org/drawingml/2006/chart" xmlns:dgm="http://schemas.openxmlformats.org/drawingml/2006/diagram" xmlns:o="urn:schemas-microsoft-com:office:office" xmlns:v="urn:schemas-microsoft-com:vml" xmlns:pvml="urn:schemas-microsoft-com:office:powerpoint" xmlns:com="http://schemas.openxmlformats.org/drawingml/2006/compatibility" xmlns:p14="http://schemas.microsoft.com/office/powerpoint/2010/main" xmlns:p15="http://schemas.microsoft.com/office/powerpoint/2012/main" xmlns:ahyp="http://schemas.microsoft.com/office/drawing/2018/hyperlinkcolor">
   <p:cSld>
     <p:spTree>
       <p:nvGrpSpPr>
-        <p:cNvPr id="71" name="Shape 71"/>
+        <p:cNvPr id="76" name="Shape 76"/>
         <p:cNvGrpSpPr/>
         <p:nvPr/>
       </p:nvGrpSpPr>
@@ -6124,7 +6289,7 @@
       </p:grpSpPr>
       <p:sp>
         <p:nvSpPr>
-          <p:cNvPr id="72" name="Google Shape;72;p16"/>
+          <p:cNvPr id="77" name="Google Shape;77;p17"/>
           <p:cNvSpPr txBox="1"/>
           <p:nvPr>
             <p:ph type="title"/>
@@ -6164,7 +6329,7 @@
       </p:sp>
       <p:sp>
         <p:nvSpPr>
-          <p:cNvPr id="73" name="Google Shape;73;p16"/>
+          <p:cNvPr id="78" name="Google Shape;78;p17"/>
           <p:cNvSpPr txBox="1"/>
           <p:nvPr>
             <p:ph idx="1" type="body"/>
@@ -6213,7 +6378,25 @@
               <a:buChar char="●"/>
             </a:pPr>
             <a:r>
-              <a:t/>
+              <a:rPr lang="en"/>
+              <a:t>Bar Chart</a:t>
+            </a:r>
+            <a:endParaRPr/>
+          </a:p>
+          <a:p>
+            <a:pPr indent="-342900" lvl="0" marL="457200" rtl="0" algn="l">
+              <a:spcBef>
+                <a:spcPts val="0"/>
+              </a:spcBef>
+              <a:spcAft>
+                <a:spcPts val="0"/>
+              </a:spcAft>
+              <a:buSzPts val="1800"/>
+              <a:buChar char="●"/>
+            </a:pPr>
+            <a:r>
+              <a:rPr lang="en"/>
+              <a:t>Heat Mat </a:t>
             </a:r>
             <a:endParaRPr/>
           </a:p>

--- a/Dashboard Blueprint.pptx
+++ b/Dashboard Blueprint.pptx
@@ -13,6 +13,9 @@
     <p:sldId id="258" r:id="rId8"/>
     <p:sldId id="259" r:id="rId9"/>
     <p:sldId id="260" r:id="rId10"/>
+    <p:sldId id="261" r:id="rId11"/>
+    <p:sldId id="262" r:id="rId12"/>
+    <p:sldId id="263" r:id="rId13"/>
   </p:sldIdLst>
   <p:sldSz cy="5143500" cx="9144000"/>
   <p:notesSz cx="6858000" cy="9144000"/>
@@ -907,7 +910,7 @@
       </p:grpSpPr>
       <p:sp>
         <p:nvSpPr>
-          <p:cNvPr id="62" name="Google Shape;62;g1421e8b540f_0_13:notes"/>
+          <p:cNvPr id="62" name="Google Shape;62;g147cb57765a_0_0:notes"/>
           <p:cNvSpPr/>
           <p:nvPr>
             <p:ph idx="2" type="sldImg"/>
@@ -942,7 +945,7 @@
       </p:sp>
       <p:sp>
         <p:nvSpPr>
-          <p:cNvPr id="63" name="Google Shape;63;g1421e8b540f_0_13:notes"/>
+          <p:cNvPr id="63" name="Google Shape;63;g147cb57765a_0_0:notes"/>
           <p:cNvSpPr txBox="1"/>
           <p:nvPr>
             <p:ph idx="1" type="body"/>
@@ -992,7 +995,7 @@
   <p:cSld>
     <p:spTree>
       <p:nvGrpSpPr>
-        <p:cNvPr id="67" name="Shape 67"/>
+        <p:cNvPr id="66" name="Shape 66"/>
         <p:cNvGrpSpPr/>
         <p:nvPr/>
       </p:nvGrpSpPr>
@@ -1006,7 +1009,7 @@
       </p:grpSpPr>
       <p:sp>
         <p:nvSpPr>
-          <p:cNvPr id="68" name="Google Shape;68;g1421e8b540f_0_5:notes"/>
+          <p:cNvPr id="67" name="Google Shape;67;g147cb57765a_0_6:notes"/>
           <p:cNvSpPr/>
           <p:nvPr>
             <p:ph idx="2" type="sldImg"/>
@@ -1041,7 +1044,7 @@
       </p:sp>
       <p:sp>
         <p:nvSpPr>
-          <p:cNvPr id="69" name="Google Shape;69;g1421e8b540f_0_5:notes"/>
+          <p:cNvPr id="68" name="Google Shape;68;g147cb57765a_0_6:notes"/>
           <p:cNvSpPr txBox="1"/>
           <p:nvPr>
             <p:ph idx="1" type="body"/>
@@ -1091,7 +1094,7 @@
   <p:cSld>
     <p:spTree>
       <p:nvGrpSpPr>
-        <p:cNvPr id="73" name="Shape 73"/>
+        <p:cNvPr id="71" name="Shape 71"/>
         <p:cNvGrpSpPr/>
         <p:nvPr/>
       </p:nvGrpSpPr>
@@ -1105,7 +1108,7 @@
       </p:grpSpPr>
       <p:sp>
         <p:nvSpPr>
-          <p:cNvPr id="74" name="Google Shape;74;g1421e8b540f_0_18:notes"/>
+          <p:cNvPr id="72" name="Google Shape;72;g147cb57765a_0_10:notes"/>
           <p:cNvSpPr/>
           <p:nvPr>
             <p:ph idx="2" type="sldImg"/>
@@ -1140,7 +1143,304 @@
       </p:sp>
       <p:sp>
         <p:nvSpPr>
-          <p:cNvPr id="75" name="Google Shape;75;g1421e8b540f_0_18:notes"/>
+          <p:cNvPr id="73" name="Google Shape;73;g147cb57765a_0_10:notes"/>
+          <p:cNvSpPr txBox="1"/>
+          <p:nvPr>
+            <p:ph idx="1" type="body"/>
+          </p:nvPr>
+        </p:nvSpPr>
+        <p:spPr>
+          <a:xfrm>
+            <a:off x="685800" y="4343400"/>
+            <a:ext cx="5486400" cy="4114800"/>
+          </a:xfrm>
+          <a:prstGeom prst="rect">
+            <a:avLst/>
+          </a:prstGeom>
+        </p:spPr>
+        <p:txBody>
+          <a:bodyPr anchorCtr="0" anchor="t" bIns="91425" lIns="91425" spcFirstLastPara="1" rIns="91425" wrap="square" tIns="91425">
+            <a:noAutofit/>
+          </a:bodyPr>
+          <a:lstStyle/>
+          <a:p>
+            <a:pPr indent="0" lvl="0" marL="0" rtl="0" algn="l">
+              <a:spcBef>
+                <a:spcPts val="0"/>
+              </a:spcBef>
+              <a:spcAft>
+                <a:spcPts val="0"/>
+              </a:spcAft>
+              <a:buNone/>
+            </a:pPr>
+            <a:r>
+              <a:t/>
+            </a:r>
+            <a:endParaRPr/>
+          </a:p>
+        </p:txBody>
+      </p:sp>
+    </p:spTree>
+  </p:cSld>
+  <p:clrMapOvr>
+    <a:masterClrMapping/>
+  </p:clrMapOvr>
+</p:notes>
+</file>
+
+<file path=ppt/notesSlides/notesSlide6.xml><?xml version="1.0" encoding="utf-8"?>
+<p:notes xmlns:a="http://schemas.openxmlformats.org/drawingml/2006/main" xmlns:r="http://schemas.openxmlformats.org/officeDocument/2006/relationships" xmlns:mc="http://schemas.openxmlformats.org/markup-compatibility/2006" xmlns:mv="urn:schemas-microsoft-com:mac:vml" xmlns:p="http://schemas.openxmlformats.org/presentationml/2006/main" xmlns:c="http://schemas.openxmlformats.org/drawingml/2006/chart" xmlns:dgm="http://schemas.openxmlformats.org/drawingml/2006/diagram" xmlns:o="urn:schemas-microsoft-com:office:office" xmlns:v="urn:schemas-microsoft-com:vml" xmlns:pvml="urn:schemas-microsoft-com:office:powerpoint" xmlns:com="http://schemas.openxmlformats.org/drawingml/2006/compatibility" xmlns:p14="http://schemas.microsoft.com/office/powerpoint/2010/main" xmlns:p15="http://schemas.microsoft.com/office/powerpoint/2012/main" xmlns:ahyp="http://schemas.microsoft.com/office/drawing/2018/hyperlinkcolor" showMasterPhAnim="0" showMasterSp="0">
+  <p:cSld>
+    <p:spTree>
+      <p:nvGrpSpPr>
+        <p:cNvPr id="76" name="Shape 76"/>
+        <p:cNvGrpSpPr/>
+        <p:nvPr/>
+      </p:nvGrpSpPr>
+      <p:grpSpPr>
+        <a:xfrm>
+          <a:off x="0" y="0"/>
+          <a:ext cx="0" cy="0"/>
+          <a:chOff x="0" y="0"/>
+          <a:chExt cx="0" cy="0"/>
+        </a:xfrm>
+      </p:grpSpPr>
+      <p:sp>
+        <p:nvSpPr>
+          <p:cNvPr id="77" name="Google Shape;77;g147cb57765a_0_14:notes"/>
+          <p:cNvSpPr/>
+          <p:nvPr>
+            <p:ph idx="2" type="sldImg"/>
+          </p:nvPr>
+        </p:nvSpPr>
+        <p:spPr>
+          <a:xfrm>
+            <a:off x="381300" y="685800"/>
+            <a:ext cx="6096000" cy="3429000"/>
+          </a:xfrm>
+          <a:custGeom>
+            <a:rect b="b" l="l" r="r" t="t"/>
+            <a:pathLst>
+              <a:path extrusionOk="0" h="120000" w="120000">
+                <a:moveTo>
+                  <a:pt x="0" y="0"/>
+                </a:moveTo>
+                <a:lnTo>
+                  <a:pt x="120000" y="0"/>
+                </a:lnTo>
+                <a:lnTo>
+                  <a:pt x="120000" y="120000"/>
+                </a:lnTo>
+                <a:lnTo>
+                  <a:pt x="0" y="120000"/>
+                </a:lnTo>
+                <a:close/>
+              </a:path>
+            </a:pathLst>
+          </a:custGeom>
+        </p:spPr>
+      </p:sp>
+      <p:sp>
+        <p:nvSpPr>
+          <p:cNvPr id="78" name="Google Shape;78;g147cb57765a_0_14:notes"/>
+          <p:cNvSpPr txBox="1"/>
+          <p:nvPr>
+            <p:ph idx="1" type="body"/>
+          </p:nvPr>
+        </p:nvSpPr>
+        <p:spPr>
+          <a:xfrm>
+            <a:off x="685800" y="4343400"/>
+            <a:ext cx="5486400" cy="4114800"/>
+          </a:xfrm>
+          <a:prstGeom prst="rect">
+            <a:avLst/>
+          </a:prstGeom>
+        </p:spPr>
+        <p:txBody>
+          <a:bodyPr anchorCtr="0" anchor="t" bIns="91425" lIns="91425" spcFirstLastPara="1" rIns="91425" wrap="square" tIns="91425">
+            <a:noAutofit/>
+          </a:bodyPr>
+          <a:lstStyle/>
+          <a:p>
+            <a:pPr indent="0" lvl="0" marL="0" rtl="0" algn="l">
+              <a:spcBef>
+                <a:spcPts val="0"/>
+              </a:spcBef>
+              <a:spcAft>
+                <a:spcPts val="0"/>
+              </a:spcAft>
+              <a:buNone/>
+            </a:pPr>
+            <a:r>
+              <a:t/>
+            </a:r>
+            <a:endParaRPr/>
+          </a:p>
+        </p:txBody>
+      </p:sp>
+    </p:spTree>
+  </p:cSld>
+  <p:clrMapOvr>
+    <a:masterClrMapping/>
+  </p:clrMapOvr>
+</p:notes>
+</file>
+
+<file path=ppt/notesSlides/notesSlide7.xml><?xml version="1.0" encoding="utf-8"?>
+<p:notes xmlns:a="http://schemas.openxmlformats.org/drawingml/2006/main" xmlns:r="http://schemas.openxmlformats.org/officeDocument/2006/relationships" xmlns:mc="http://schemas.openxmlformats.org/markup-compatibility/2006" xmlns:mv="urn:schemas-microsoft-com:mac:vml" xmlns:p="http://schemas.openxmlformats.org/presentationml/2006/main" xmlns:c="http://schemas.openxmlformats.org/drawingml/2006/chart" xmlns:dgm="http://schemas.openxmlformats.org/drawingml/2006/diagram" xmlns:o="urn:schemas-microsoft-com:office:office" xmlns:v="urn:schemas-microsoft-com:vml" xmlns:pvml="urn:schemas-microsoft-com:office:powerpoint" xmlns:com="http://schemas.openxmlformats.org/drawingml/2006/compatibility" xmlns:p14="http://schemas.microsoft.com/office/powerpoint/2010/main" xmlns:p15="http://schemas.microsoft.com/office/powerpoint/2012/main" xmlns:ahyp="http://schemas.microsoft.com/office/drawing/2018/hyperlinkcolor" showMasterPhAnim="0" showMasterSp="0">
+  <p:cSld>
+    <p:spTree>
+      <p:nvGrpSpPr>
+        <p:cNvPr id="81" name="Shape 81"/>
+        <p:cNvGrpSpPr/>
+        <p:nvPr/>
+      </p:nvGrpSpPr>
+      <p:grpSpPr>
+        <a:xfrm>
+          <a:off x="0" y="0"/>
+          <a:ext cx="0" cy="0"/>
+          <a:chOff x="0" y="0"/>
+          <a:chExt cx="0" cy="0"/>
+        </a:xfrm>
+      </p:grpSpPr>
+      <p:sp>
+        <p:nvSpPr>
+          <p:cNvPr id="82" name="Google Shape;82;g1421e8b540f_0_5:notes"/>
+          <p:cNvSpPr/>
+          <p:nvPr>
+            <p:ph idx="2" type="sldImg"/>
+          </p:nvPr>
+        </p:nvSpPr>
+        <p:spPr>
+          <a:xfrm>
+            <a:off x="381300" y="685800"/>
+            <a:ext cx="6096000" cy="3429000"/>
+          </a:xfrm>
+          <a:custGeom>
+            <a:rect b="b" l="l" r="r" t="t"/>
+            <a:pathLst>
+              <a:path extrusionOk="0" h="120000" w="120000">
+                <a:moveTo>
+                  <a:pt x="0" y="0"/>
+                </a:moveTo>
+                <a:lnTo>
+                  <a:pt x="120000" y="0"/>
+                </a:lnTo>
+                <a:lnTo>
+                  <a:pt x="120000" y="120000"/>
+                </a:lnTo>
+                <a:lnTo>
+                  <a:pt x="0" y="120000"/>
+                </a:lnTo>
+                <a:close/>
+              </a:path>
+            </a:pathLst>
+          </a:custGeom>
+        </p:spPr>
+      </p:sp>
+      <p:sp>
+        <p:nvSpPr>
+          <p:cNvPr id="83" name="Google Shape;83;g1421e8b540f_0_5:notes"/>
+          <p:cNvSpPr txBox="1"/>
+          <p:nvPr>
+            <p:ph idx="1" type="body"/>
+          </p:nvPr>
+        </p:nvSpPr>
+        <p:spPr>
+          <a:xfrm>
+            <a:off x="685800" y="4343400"/>
+            <a:ext cx="5486400" cy="4114800"/>
+          </a:xfrm>
+          <a:prstGeom prst="rect">
+            <a:avLst/>
+          </a:prstGeom>
+        </p:spPr>
+        <p:txBody>
+          <a:bodyPr anchorCtr="0" anchor="t" bIns="91425" lIns="91425" spcFirstLastPara="1" rIns="91425" wrap="square" tIns="91425">
+            <a:noAutofit/>
+          </a:bodyPr>
+          <a:lstStyle/>
+          <a:p>
+            <a:pPr indent="0" lvl="0" marL="0" rtl="0" algn="l">
+              <a:spcBef>
+                <a:spcPts val="0"/>
+              </a:spcBef>
+              <a:spcAft>
+                <a:spcPts val="0"/>
+              </a:spcAft>
+              <a:buNone/>
+            </a:pPr>
+            <a:r>
+              <a:t/>
+            </a:r>
+            <a:endParaRPr/>
+          </a:p>
+        </p:txBody>
+      </p:sp>
+    </p:spTree>
+  </p:cSld>
+  <p:clrMapOvr>
+    <a:masterClrMapping/>
+  </p:clrMapOvr>
+</p:notes>
+</file>
+
+<file path=ppt/notesSlides/notesSlide8.xml><?xml version="1.0" encoding="utf-8"?>
+<p:notes xmlns:a="http://schemas.openxmlformats.org/drawingml/2006/main" xmlns:r="http://schemas.openxmlformats.org/officeDocument/2006/relationships" xmlns:mc="http://schemas.openxmlformats.org/markup-compatibility/2006" xmlns:mv="urn:schemas-microsoft-com:mac:vml" xmlns:p="http://schemas.openxmlformats.org/presentationml/2006/main" xmlns:c="http://schemas.openxmlformats.org/drawingml/2006/chart" xmlns:dgm="http://schemas.openxmlformats.org/drawingml/2006/diagram" xmlns:o="urn:schemas-microsoft-com:office:office" xmlns:v="urn:schemas-microsoft-com:vml" xmlns:pvml="urn:schemas-microsoft-com:office:powerpoint" xmlns:com="http://schemas.openxmlformats.org/drawingml/2006/compatibility" xmlns:p14="http://schemas.microsoft.com/office/powerpoint/2010/main" xmlns:p15="http://schemas.microsoft.com/office/powerpoint/2012/main" xmlns:ahyp="http://schemas.microsoft.com/office/drawing/2018/hyperlinkcolor" showMasterPhAnim="0" showMasterSp="0">
+  <p:cSld>
+    <p:spTree>
+      <p:nvGrpSpPr>
+        <p:cNvPr id="87" name="Shape 87"/>
+        <p:cNvGrpSpPr/>
+        <p:nvPr/>
+      </p:nvGrpSpPr>
+      <p:grpSpPr>
+        <a:xfrm>
+          <a:off x="0" y="0"/>
+          <a:ext cx="0" cy="0"/>
+          <a:chOff x="0" y="0"/>
+          <a:chExt cx="0" cy="0"/>
+        </a:xfrm>
+      </p:grpSpPr>
+      <p:sp>
+        <p:nvSpPr>
+          <p:cNvPr id="88" name="Google Shape;88;g1421e8b540f_0_18:notes"/>
+          <p:cNvSpPr/>
+          <p:nvPr>
+            <p:ph idx="2" type="sldImg"/>
+          </p:nvPr>
+        </p:nvSpPr>
+        <p:spPr>
+          <a:xfrm>
+            <a:off x="381300" y="685800"/>
+            <a:ext cx="6096000" cy="3429000"/>
+          </a:xfrm>
+          <a:custGeom>
+            <a:rect b="b" l="l" r="r" t="t"/>
+            <a:pathLst>
+              <a:path extrusionOk="0" h="120000" w="120000">
+                <a:moveTo>
+                  <a:pt x="0" y="0"/>
+                </a:moveTo>
+                <a:lnTo>
+                  <a:pt x="120000" y="0"/>
+                </a:lnTo>
+                <a:lnTo>
+                  <a:pt x="120000" y="120000"/>
+                </a:lnTo>
+                <a:lnTo>
+                  <a:pt x="0" y="120000"/>
+                </a:lnTo>
+                <a:close/>
+              </a:path>
+            </a:pathLst>
+          </a:custGeom>
+        </p:spPr>
+      </p:sp>
+      <p:sp>
+        <p:nvSpPr>
+          <p:cNvPr id="89" name="Google Shape;89;g1421e8b540f_0_18:notes"/>
           <p:cNvSpPr txBox="1"/>
           <p:nvPr>
             <p:ph idx="1" type="body"/>
@@ -6021,9 +6321,221 @@
           <a:chExt cx="0" cy="0"/>
         </a:xfrm>
       </p:grpSpPr>
+      <p:pic>
+        <p:nvPicPr>
+          <p:cNvPr id="65" name="Google Shape;65;p15"/>
+          <p:cNvPicPr preferRelativeResize="0"/>
+          <p:nvPr/>
+        </p:nvPicPr>
+        <p:blipFill>
+          <a:blip r:embed="rId3">
+            <a:alphaModFix/>
+          </a:blip>
+          <a:stretch>
+            <a:fillRect/>
+          </a:stretch>
+        </p:blipFill>
+        <p:spPr>
+          <a:xfrm>
+            <a:off x="174400" y="163375"/>
+            <a:ext cx="6972300" cy="4029075"/>
+          </a:xfrm>
+          <a:prstGeom prst="rect">
+            <a:avLst/>
+          </a:prstGeom>
+          <a:noFill/>
+          <a:ln>
+            <a:noFill/>
+          </a:ln>
+        </p:spPr>
+      </p:pic>
+    </p:spTree>
+  </p:cSld>
+  <p:clrMapOvr>
+    <a:masterClrMapping/>
+  </p:clrMapOvr>
+</p:sld>
+</file>
+
+<file path=ppt/slides/slide4.xml><?xml version="1.0" encoding="utf-8"?>
+<p:sld xmlns:a="http://schemas.openxmlformats.org/drawingml/2006/main" xmlns:r="http://schemas.openxmlformats.org/officeDocument/2006/relationships" xmlns:mc="http://schemas.openxmlformats.org/markup-compatibility/2006" xmlns:mv="urn:schemas-microsoft-com:mac:vml" xmlns:p="http://schemas.openxmlformats.org/presentationml/2006/main" xmlns:c="http://schemas.openxmlformats.org/drawingml/2006/chart" xmlns:dgm="http://schemas.openxmlformats.org/drawingml/2006/diagram" xmlns:o="urn:schemas-microsoft-com:office:office" xmlns:v="urn:schemas-microsoft-com:vml" xmlns:pvml="urn:schemas-microsoft-com:office:powerpoint" xmlns:com="http://schemas.openxmlformats.org/drawingml/2006/compatibility" xmlns:p14="http://schemas.microsoft.com/office/powerpoint/2010/main" xmlns:p15="http://schemas.microsoft.com/office/powerpoint/2012/main" xmlns:ahyp="http://schemas.microsoft.com/office/drawing/2018/hyperlinkcolor">
+  <p:cSld>
+    <p:spTree>
+      <p:nvGrpSpPr>
+        <p:cNvPr id="69" name="Shape 69"/>
+        <p:cNvGrpSpPr/>
+        <p:nvPr/>
+      </p:nvGrpSpPr>
+      <p:grpSpPr>
+        <a:xfrm>
+          <a:off x="0" y="0"/>
+          <a:ext cx="0" cy="0"/>
+          <a:chOff x="0" y="0"/>
+          <a:chExt cx="0" cy="0"/>
+        </a:xfrm>
+      </p:grpSpPr>
+      <p:pic>
+        <p:nvPicPr>
+          <p:cNvPr id="70" name="Google Shape;70;p16"/>
+          <p:cNvPicPr preferRelativeResize="0"/>
+          <p:nvPr/>
+        </p:nvPicPr>
+        <p:blipFill>
+          <a:blip r:embed="rId3">
+            <a:alphaModFix/>
+          </a:blip>
+          <a:stretch>
+            <a:fillRect/>
+          </a:stretch>
+        </p:blipFill>
+        <p:spPr>
+          <a:xfrm>
+            <a:off x="152400" y="152400"/>
+            <a:ext cx="7315200" cy="4486275"/>
+          </a:xfrm>
+          <a:prstGeom prst="rect">
+            <a:avLst/>
+          </a:prstGeom>
+          <a:noFill/>
+          <a:ln>
+            <a:noFill/>
+          </a:ln>
+        </p:spPr>
+      </p:pic>
+    </p:spTree>
+  </p:cSld>
+  <p:clrMapOvr>
+    <a:masterClrMapping/>
+  </p:clrMapOvr>
+</p:sld>
+</file>
+
+<file path=ppt/slides/slide5.xml><?xml version="1.0" encoding="utf-8"?>
+<p:sld xmlns:a="http://schemas.openxmlformats.org/drawingml/2006/main" xmlns:r="http://schemas.openxmlformats.org/officeDocument/2006/relationships" xmlns:mc="http://schemas.openxmlformats.org/markup-compatibility/2006" xmlns:mv="urn:schemas-microsoft-com:mac:vml" xmlns:p="http://schemas.openxmlformats.org/presentationml/2006/main" xmlns:c="http://schemas.openxmlformats.org/drawingml/2006/chart" xmlns:dgm="http://schemas.openxmlformats.org/drawingml/2006/diagram" xmlns:o="urn:schemas-microsoft-com:office:office" xmlns:v="urn:schemas-microsoft-com:vml" xmlns:pvml="urn:schemas-microsoft-com:office:powerpoint" xmlns:com="http://schemas.openxmlformats.org/drawingml/2006/compatibility" xmlns:p14="http://schemas.microsoft.com/office/powerpoint/2010/main" xmlns:p15="http://schemas.microsoft.com/office/powerpoint/2012/main" xmlns:ahyp="http://schemas.microsoft.com/office/drawing/2018/hyperlinkcolor">
+  <p:cSld>
+    <p:spTree>
+      <p:nvGrpSpPr>
+        <p:cNvPr id="74" name="Shape 74"/>
+        <p:cNvGrpSpPr/>
+        <p:nvPr/>
+      </p:nvGrpSpPr>
+      <p:grpSpPr>
+        <a:xfrm>
+          <a:off x="0" y="0"/>
+          <a:ext cx="0" cy="0"/>
+          <a:chOff x="0" y="0"/>
+          <a:chExt cx="0" cy="0"/>
+        </a:xfrm>
+      </p:grpSpPr>
+      <p:pic>
+        <p:nvPicPr>
+          <p:cNvPr id="75" name="Google Shape;75;p17"/>
+          <p:cNvPicPr preferRelativeResize="0"/>
+          <p:nvPr/>
+        </p:nvPicPr>
+        <p:blipFill>
+          <a:blip r:embed="rId3">
+            <a:alphaModFix/>
+          </a:blip>
+          <a:stretch>
+            <a:fillRect/>
+          </a:stretch>
+        </p:blipFill>
+        <p:spPr>
+          <a:xfrm>
+            <a:off x="1251475" y="75475"/>
+            <a:ext cx="5844841" cy="4838699"/>
+          </a:xfrm>
+          <a:prstGeom prst="rect">
+            <a:avLst/>
+          </a:prstGeom>
+          <a:noFill/>
+          <a:ln>
+            <a:noFill/>
+          </a:ln>
+        </p:spPr>
+      </p:pic>
+    </p:spTree>
+  </p:cSld>
+  <p:clrMapOvr>
+    <a:masterClrMapping/>
+  </p:clrMapOvr>
+</p:sld>
+</file>
+
+<file path=ppt/slides/slide6.xml><?xml version="1.0" encoding="utf-8"?>
+<p:sld xmlns:a="http://schemas.openxmlformats.org/drawingml/2006/main" xmlns:r="http://schemas.openxmlformats.org/officeDocument/2006/relationships" xmlns:mc="http://schemas.openxmlformats.org/markup-compatibility/2006" xmlns:mv="urn:schemas-microsoft-com:mac:vml" xmlns:p="http://schemas.openxmlformats.org/presentationml/2006/main" xmlns:c="http://schemas.openxmlformats.org/drawingml/2006/chart" xmlns:dgm="http://schemas.openxmlformats.org/drawingml/2006/diagram" xmlns:o="urn:schemas-microsoft-com:office:office" xmlns:v="urn:schemas-microsoft-com:vml" xmlns:pvml="urn:schemas-microsoft-com:office:powerpoint" xmlns:com="http://schemas.openxmlformats.org/drawingml/2006/compatibility" xmlns:p14="http://schemas.microsoft.com/office/powerpoint/2010/main" xmlns:p15="http://schemas.microsoft.com/office/powerpoint/2012/main" xmlns:ahyp="http://schemas.microsoft.com/office/drawing/2018/hyperlinkcolor">
+  <p:cSld>
+    <p:spTree>
+      <p:nvGrpSpPr>
+        <p:cNvPr id="79" name="Shape 79"/>
+        <p:cNvGrpSpPr/>
+        <p:nvPr/>
+      </p:nvGrpSpPr>
+      <p:grpSpPr>
+        <a:xfrm>
+          <a:off x="0" y="0"/>
+          <a:ext cx="0" cy="0"/>
+          <a:chOff x="0" y="0"/>
+          <a:chExt cx="0" cy="0"/>
+        </a:xfrm>
+      </p:grpSpPr>
+      <p:pic>
+        <p:nvPicPr>
+          <p:cNvPr id="80" name="Google Shape;80;p18"/>
+          <p:cNvPicPr preferRelativeResize="0"/>
+          <p:nvPr/>
+        </p:nvPicPr>
+        <p:blipFill>
+          <a:blip r:embed="rId3">
+            <a:alphaModFix/>
+          </a:blip>
+          <a:stretch>
+            <a:fillRect/>
+          </a:stretch>
+        </p:blipFill>
+        <p:spPr>
+          <a:xfrm>
+            <a:off x="152400" y="152400"/>
+            <a:ext cx="7991071" cy="4838700"/>
+          </a:xfrm>
+          <a:prstGeom prst="rect">
+            <a:avLst/>
+          </a:prstGeom>
+          <a:noFill/>
+          <a:ln>
+            <a:noFill/>
+          </a:ln>
+        </p:spPr>
+      </p:pic>
+    </p:spTree>
+  </p:cSld>
+  <p:clrMapOvr>
+    <a:masterClrMapping/>
+  </p:clrMapOvr>
+</p:sld>
+</file>
+
+<file path=ppt/slides/slide7.xml><?xml version="1.0" encoding="utf-8"?>
+<p:sld xmlns:a="http://schemas.openxmlformats.org/drawingml/2006/main" xmlns:r="http://schemas.openxmlformats.org/officeDocument/2006/relationships" xmlns:mc="http://schemas.openxmlformats.org/markup-compatibility/2006" xmlns:mv="urn:schemas-microsoft-com:mac:vml" xmlns:p="http://schemas.openxmlformats.org/presentationml/2006/main" xmlns:c="http://schemas.openxmlformats.org/drawingml/2006/chart" xmlns:dgm="http://schemas.openxmlformats.org/drawingml/2006/diagram" xmlns:o="urn:schemas-microsoft-com:office:office" xmlns:v="urn:schemas-microsoft-com:vml" xmlns:pvml="urn:schemas-microsoft-com:office:powerpoint" xmlns:com="http://schemas.openxmlformats.org/drawingml/2006/compatibility" xmlns:p14="http://schemas.microsoft.com/office/powerpoint/2010/main" xmlns:p15="http://schemas.microsoft.com/office/powerpoint/2012/main" xmlns:ahyp="http://schemas.microsoft.com/office/drawing/2018/hyperlinkcolor">
+  <p:cSld>
+    <p:spTree>
+      <p:nvGrpSpPr>
+        <p:cNvPr id="84" name="Shape 84"/>
+        <p:cNvGrpSpPr/>
+        <p:nvPr/>
+      </p:nvGrpSpPr>
+      <p:grpSpPr>
+        <a:xfrm>
+          <a:off x="0" y="0"/>
+          <a:ext cx="0" cy="0"/>
+          <a:chOff x="0" y="0"/>
+          <a:chExt cx="0" cy="0"/>
+        </a:xfrm>
+      </p:grpSpPr>
       <p:sp>
         <p:nvSpPr>
-          <p:cNvPr id="65" name="Google Shape;65;p15"/>
+          <p:cNvPr id="85" name="Google Shape;85;p19"/>
           <p:cNvSpPr txBox="1"/>
           <p:nvPr>
             <p:ph type="title"/>
@@ -6055,125 +6567,6 @@
             </a:pPr>
             <a:r>
               <a:rPr lang="en"/>
-              <a:t>Storyboard </a:t>
-            </a:r>
-            <a:endParaRPr/>
-          </a:p>
-          <a:p>
-            <a:pPr indent="0" lvl="0" marL="0" rtl="0" algn="l">
-              <a:spcBef>
-                <a:spcPts val="0"/>
-              </a:spcBef>
-              <a:spcAft>
-                <a:spcPts val="0"/>
-              </a:spcAft>
-              <a:buNone/>
-            </a:pPr>
-            <a:r>
-              <a:t/>
-            </a:r>
-            <a:endParaRPr/>
-          </a:p>
-        </p:txBody>
-      </p:sp>
-      <p:sp>
-        <p:nvSpPr>
-          <p:cNvPr id="66" name="Google Shape;66;p15"/>
-          <p:cNvSpPr txBox="1"/>
-          <p:nvPr>
-            <p:ph idx="1" type="body"/>
-          </p:nvPr>
-        </p:nvSpPr>
-        <p:spPr>
-          <a:xfrm>
-            <a:off x="311700" y="1152475"/>
-            <a:ext cx="8520600" cy="3416400"/>
-          </a:xfrm>
-          <a:prstGeom prst="rect">
-            <a:avLst/>
-          </a:prstGeom>
-        </p:spPr>
-        <p:txBody>
-          <a:bodyPr anchorCtr="0" anchor="t" bIns="91425" lIns="91425" spcFirstLastPara="1" rIns="91425" wrap="square" tIns="91425">
-            <a:normAutofit/>
-          </a:bodyPr>
-          <a:lstStyle/>
-          <a:p>
-            <a:pPr indent="0" lvl="0" marL="0" rtl="0" algn="l">
-              <a:spcBef>
-                <a:spcPts val="0"/>
-              </a:spcBef>
-              <a:spcAft>
-                <a:spcPts val="1200"/>
-              </a:spcAft>
-              <a:buNone/>
-            </a:pPr>
-            <a:r>
-              <a:t/>
-            </a:r>
-            <a:endParaRPr/>
-          </a:p>
-        </p:txBody>
-      </p:sp>
-    </p:spTree>
-  </p:cSld>
-  <p:clrMapOvr>
-    <a:masterClrMapping/>
-  </p:clrMapOvr>
-</p:sld>
-</file>
-
-<file path=ppt/slides/slide4.xml><?xml version="1.0" encoding="utf-8"?>
-<p:sld xmlns:a="http://schemas.openxmlformats.org/drawingml/2006/main" xmlns:r="http://schemas.openxmlformats.org/officeDocument/2006/relationships" xmlns:mc="http://schemas.openxmlformats.org/markup-compatibility/2006" xmlns:mv="urn:schemas-microsoft-com:mac:vml" xmlns:p="http://schemas.openxmlformats.org/presentationml/2006/main" xmlns:c="http://schemas.openxmlformats.org/drawingml/2006/chart" xmlns:dgm="http://schemas.openxmlformats.org/drawingml/2006/diagram" xmlns:o="urn:schemas-microsoft-com:office:office" xmlns:v="urn:schemas-microsoft-com:vml" xmlns:pvml="urn:schemas-microsoft-com:office:powerpoint" xmlns:com="http://schemas.openxmlformats.org/drawingml/2006/compatibility" xmlns:p14="http://schemas.microsoft.com/office/powerpoint/2010/main" xmlns:p15="http://schemas.microsoft.com/office/powerpoint/2012/main" xmlns:ahyp="http://schemas.microsoft.com/office/drawing/2018/hyperlinkcolor">
-  <p:cSld>
-    <p:spTree>
-      <p:nvGrpSpPr>
-        <p:cNvPr id="70" name="Shape 70"/>
-        <p:cNvGrpSpPr/>
-        <p:nvPr/>
-      </p:nvGrpSpPr>
-      <p:grpSpPr>
-        <a:xfrm>
-          <a:off x="0" y="0"/>
-          <a:ext cx="0" cy="0"/>
-          <a:chOff x="0" y="0"/>
-          <a:chExt cx="0" cy="0"/>
-        </a:xfrm>
-      </p:grpSpPr>
-      <p:sp>
-        <p:nvSpPr>
-          <p:cNvPr id="71" name="Google Shape;71;p16"/>
-          <p:cNvSpPr txBox="1"/>
-          <p:nvPr>
-            <p:ph type="title"/>
-          </p:nvPr>
-        </p:nvSpPr>
-        <p:spPr>
-          <a:xfrm>
-            <a:off x="311700" y="445025"/>
-            <a:ext cx="8520600" cy="572700"/>
-          </a:xfrm>
-          <a:prstGeom prst="rect">
-            <a:avLst/>
-          </a:prstGeom>
-        </p:spPr>
-        <p:txBody>
-          <a:bodyPr anchorCtr="0" anchor="t" bIns="91425" lIns="91425" spcFirstLastPara="1" rIns="91425" wrap="square" tIns="91425">
-            <a:normAutofit fontScale="90000"/>
-          </a:bodyPr>
-          <a:lstStyle/>
-          <a:p>
-            <a:pPr indent="0" lvl="0" marL="0" rtl="0" algn="l">
-              <a:spcBef>
-                <a:spcPts val="0"/>
-              </a:spcBef>
-              <a:spcAft>
-                <a:spcPts val="0"/>
-              </a:spcAft>
-              <a:buNone/>
-            </a:pPr>
-            <a:r>
-              <a:rPr lang="en"/>
               <a:t>Final Dashboard Tools </a:t>
             </a:r>
             <a:endParaRPr/>
@@ -6182,7 +6575,7 @@
       </p:sp>
       <p:sp>
         <p:nvSpPr>
-          <p:cNvPr id="72" name="Google Shape;72;p16"/>
+          <p:cNvPr id="86" name="Google Shape;86;p19"/>
           <p:cNvSpPr txBox="1"/>
           <p:nvPr>
             <p:ph idx="1" type="body"/>
@@ -6270,12 +6663,12 @@
 </p:sld>
 </file>
 
-<file path=ppt/slides/slide5.xml><?xml version="1.0" encoding="utf-8"?>
+<file path=ppt/slides/slide8.xml><?xml version="1.0" encoding="utf-8"?>
 <p:sld xmlns:a="http://schemas.openxmlformats.org/drawingml/2006/main" xmlns:r="http://schemas.openxmlformats.org/officeDocument/2006/relationships" xmlns:mc="http://schemas.openxmlformats.org/markup-compatibility/2006" xmlns:mv="urn:schemas-microsoft-com:mac:vml" xmlns:p="http://schemas.openxmlformats.org/presentationml/2006/main" xmlns:c="http://schemas.openxmlformats.org/drawingml/2006/chart" xmlns:dgm="http://schemas.openxmlformats.org/drawingml/2006/diagram" xmlns:o="urn:schemas-microsoft-com:office:office" xmlns:v="urn:schemas-microsoft-com:vml" xmlns:pvml="urn:schemas-microsoft-com:office:powerpoint" xmlns:com="http://schemas.openxmlformats.org/drawingml/2006/compatibility" xmlns:p14="http://schemas.microsoft.com/office/powerpoint/2010/main" xmlns:p15="http://schemas.microsoft.com/office/powerpoint/2012/main" xmlns:ahyp="http://schemas.microsoft.com/office/drawing/2018/hyperlinkcolor">
   <p:cSld>
     <p:spTree>
       <p:nvGrpSpPr>
-        <p:cNvPr id="76" name="Shape 76"/>
+        <p:cNvPr id="90" name="Shape 90"/>
         <p:cNvGrpSpPr/>
         <p:nvPr/>
       </p:nvGrpSpPr>
@@ -6289,7 +6682,7 @@
       </p:grpSpPr>
       <p:sp>
         <p:nvSpPr>
-          <p:cNvPr id="77" name="Google Shape;77;p17"/>
+          <p:cNvPr id="91" name="Google Shape;91;p20"/>
           <p:cNvSpPr txBox="1"/>
           <p:nvPr>
             <p:ph type="title"/>
@@ -6329,7 +6722,7 @@
       </p:sp>
       <p:sp>
         <p:nvSpPr>
-          <p:cNvPr id="78" name="Google Shape;78;p17"/>
+          <p:cNvPr id="92" name="Google Shape;92;p20"/>
           <p:cNvSpPr txBox="1"/>
           <p:nvPr>
             <p:ph idx="1" type="body"/>
@@ -6411,6 +6804,285 @@
 </file>
 
 <file path=ppt/theme/theme1.xml><?xml version="1.0" encoding="utf-8"?>
+<a:theme xmlns:a="http://schemas.openxmlformats.org/drawingml/2006/main" xmlns:r="http://schemas.openxmlformats.org/officeDocument/2006/relationships" name="Simple Light">
+  <a:themeElements>
+    <a:clrScheme name="Simple Light">
+      <a:dk1>
+        <a:srgbClr val="000000"/>
+      </a:dk1>
+      <a:lt1>
+        <a:srgbClr val="FFFFFF"/>
+      </a:lt1>
+      <a:dk2>
+        <a:srgbClr val="595959"/>
+      </a:dk2>
+      <a:lt2>
+        <a:srgbClr val="EEEEEE"/>
+      </a:lt2>
+      <a:accent1>
+        <a:srgbClr val="4285F4"/>
+      </a:accent1>
+      <a:accent2>
+        <a:srgbClr val="212121"/>
+      </a:accent2>
+      <a:accent3>
+        <a:srgbClr val="78909C"/>
+      </a:accent3>
+      <a:accent4>
+        <a:srgbClr val="FFAB40"/>
+      </a:accent4>
+      <a:accent5>
+        <a:srgbClr val="0097A7"/>
+      </a:accent5>
+      <a:accent6>
+        <a:srgbClr val="EEFF41"/>
+      </a:accent6>
+      <a:hlink>
+        <a:srgbClr val="0097A7"/>
+      </a:hlink>
+      <a:folHlink>
+        <a:srgbClr val="0097A7"/>
+      </a:folHlink>
+    </a:clrScheme>
+    <a:fontScheme name="Office">
+      <a:majorFont>
+        <a:latin typeface="Arial"/>
+        <a:ea typeface=""/>
+        <a:cs typeface=""/>
+        <a:font script="Jpan" typeface="ＭＳ Ｐゴシック"/>
+        <a:font script="Hang" typeface="맑은 고딕"/>
+        <a:font script="Hans" typeface="宋体"/>
+        <a:font script="Hant" typeface="新細明體"/>
+        <a:font script="Arab" typeface="Times New Roman"/>
+        <a:font script="Hebr" typeface="Times New Roman"/>
+        <a:font script="Thai" typeface="Angsana New"/>
+        <a:font script="Ethi" typeface="Nyala"/>
+        <a:font script="Beng" typeface="Vrinda"/>
+        <a:font script="Gujr" typeface="Shruti"/>
+        <a:font script="Khmr" typeface="MoolBoran"/>
+        <a:font script="Knda" typeface="Tunga"/>
+        <a:font script="Guru" typeface="Raavi"/>
+        <a:font script="Cans" typeface="Euphemia"/>
+        <a:font script="Cher" typeface="Plantagenet Cherokee"/>
+        <a:font script="Yiii" typeface="Microsoft Yi Baiti"/>
+        <a:font script="Tibt" typeface="Microsoft Himalaya"/>
+        <a:font script="Thaa" typeface="MV Boli"/>
+        <a:font script="Deva" typeface="Mangal"/>
+        <a:font script="Telu" typeface="Gautami"/>
+        <a:font script="Taml" typeface="Latha"/>
+        <a:font script="Syrc" typeface="Estrangelo Edessa"/>
+        <a:font script="Orya" typeface="Kalinga"/>
+        <a:font script="Mlym" typeface="Kartika"/>
+        <a:font script="Laoo" typeface="DokChampa"/>
+        <a:font script="Sinh" typeface="Iskoola Pota"/>
+        <a:font script="Mong" typeface="Mongolian Baiti"/>
+        <a:font script="Viet" typeface="Times New Roman"/>
+        <a:font script="Uigh" typeface="Microsoft Uighur"/>
+        <a:font script="Geor" typeface="Sylfaen"/>
+      </a:majorFont>
+      <a:minorFont>
+        <a:latin typeface="Arial"/>
+        <a:ea typeface=""/>
+        <a:cs typeface=""/>
+        <a:font script="Jpan" typeface="ＭＳ Ｐゴシック"/>
+        <a:font script="Hang" typeface="맑은 고딕"/>
+        <a:font script="Hans" typeface="宋体"/>
+        <a:font script="Hant" typeface="新細明體"/>
+        <a:font script="Arab" typeface="Arial"/>
+        <a:font script="Hebr" typeface="Arial"/>
+        <a:font script="Thai" typeface="Cordia New"/>
+        <a:font script="Ethi" typeface="Nyala"/>
+        <a:font script="Beng" typeface="Vrinda"/>
+        <a:font script="Gujr" typeface="Shruti"/>
+        <a:font script="Khmr" typeface="DaunPenh"/>
+        <a:font script="Knda" typeface="Tunga"/>
+        <a:font script="Guru" typeface="Raavi"/>
+        <a:font script="Cans" typeface="Euphemia"/>
+        <a:font script="Cher" typeface="Plantagenet Cherokee"/>
+        <a:font script="Yiii" typeface="Microsoft Yi Baiti"/>
+        <a:font script="Tibt" typeface="Microsoft Himalaya"/>
+        <a:font script="Thaa" typeface="MV Boli"/>
+        <a:font script="Deva" typeface="Mangal"/>
+        <a:font script="Telu" typeface="Gautami"/>
+        <a:font script="Taml" typeface="Latha"/>
+        <a:font script="Syrc" typeface="Estrangelo Edessa"/>
+        <a:font script="Orya" typeface="Kalinga"/>
+        <a:font script="Mlym" typeface="Kartika"/>
+        <a:font script="Laoo" typeface="DokChampa"/>
+        <a:font script="Sinh" typeface="Iskoola Pota"/>
+        <a:font script="Mong" typeface="Mongolian Baiti"/>
+        <a:font script="Viet" typeface="Arial"/>
+        <a:font script="Uigh" typeface="Microsoft Uighur"/>
+        <a:font script="Geor" typeface="Sylfaen"/>
+      </a:minorFont>
+    </a:fontScheme>
+    <a:fmtScheme name="Office">
+      <a:fillStyleLst>
+        <a:solidFill>
+          <a:schemeClr val="phClr"/>
+        </a:solidFill>
+        <a:gradFill rotWithShape="1">
+          <a:gsLst>
+            <a:gs pos="0">
+              <a:schemeClr val="phClr">
+                <a:tint val="50000"/>
+                <a:satMod val="300000"/>
+              </a:schemeClr>
+            </a:gs>
+            <a:gs pos="35000">
+              <a:schemeClr val="phClr">
+                <a:tint val="37000"/>
+                <a:satMod val="300000"/>
+              </a:schemeClr>
+            </a:gs>
+            <a:gs pos="100000">
+              <a:schemeClr val="phClr">
+                <a:tint val="15000"/>
+                <a:satMod val="350000"/>
+              </a:schemeClr>
+            </a:gs>
+          </a:gsLst>
+          <a:lin ang="16200000" scaled="1"/>
+        </a:gradFill>
+        <a:gradFill rotWithShape="1">
+          <a:gsLst>
+            <a:gs pos="0">
+              <a:schemeClr val="phClr">
+                <a:tint val="100000"/>
+                <a:shade val="100000"/>
+                <a:satMod val="130000"/>
+              </a:schemeClr>
+            </a:gs>
+            <a:gs pos="100000">
+              <a:schemeClr val="phClr">
+                <a:tint val="50000"/>
+                <a:shade val="100000"/>
+                <a:satMod val="350000"/>
+              </a:schemeClr>
+            </a:gs>
+          </a:gsLst>
+          <a:lin ang="16200000" scaled="0"/>
+        </a:gradFill>
+      </a:fillStyleLst>
+      <a:lnStyleLst>
+        <a:ln w="9525" cap="flat" cmpd="sng" algn="ctr">
+          <a:solidFill>
+            <a:schemeClr val="phClr">
+              <a:shade val="95000"/>
+              <a:satMod val="105000"/>
+            </a:schemeClr>
+          </a:solidFill>
+          <a:prstDash val="solid"/>
+        </a:ln>
+        <a:ln w="25400" cap="flat" cmpd="sng" algn="ctr">
+          <a:solidFill>
+            <a:schemeClr val="phClr"/>
+          </a:solidFill>
+          <a:prstDash val="solid"/>
+        </a:ln>
+        <a:ln w="38100" cap="flat" cmpd="sng" algn="ctr">
+          <a:solidFill>
+            <a:schemeClr val="phClr"/>
+          </a:solidFill>
+          <a:prstDash val="solid"/>
+        </a:ln>
+      </a:lnStyleLst>
+      <a:effectStyleLst>
+        <a:effectStyle>
+          <a:effectLst>
+            <a:outerShdw blurRad="40000" dist="20000" dir="5400000" rotWithShape="0">
+              <a:srgbClr val="000000">
+                <a:alpha val="38000"/>
+              </a:srgbClr>
+            </a:outerShdw>
+          </a:effectLst>
+        </a:effectStyle>
+        <a:effectStyle>
+          <a:effectLst>
+            <a:outerShdw blurRad="40000" dist="23000" dir="5400000" rotWithShape="0">
+              <a:srgbClr val="000000">
+                <a:alpha val="35000"/>
+              </a:srgbClr>
+            </a:outerShdw>
+          </a:effectLst>
+        </a:effectStyle>
+        <a:effectStyle>
+          <a:effectLst>
+            <a:outerShdw blurRad="40000" dist="23000" dir="5400000" rotWithShape="0">
+              <a:srgbClr val="000000">
+                <a:alpha val="35000"/>
+              </a:srgbClr>
+            </a:outerShdw>
+          </a:effectLst>
+          <a:scene3d>
+            <a:camera prst="orthographicFront">
+              <a:rot lat="0" lon="0" rev="0"/>
+            </a:camera>
+            <a:lightRig rig="threePt" dir="t">
+              <a:rot lat="0" lon="0" rev="1200000"/>
+            </a:lightRig>
+          </a:scene3d>
+          <a:sp3d>
+            <a:bevelT w="63500" h="25400"/>
+          </a:sp3d>
+        </a:effectStyle>
+      </a:effectStyleLst>
+      <a:bgFillStyleLst>
+        <a:solidFill>
+          <a:schemeClr val="phClr"/>
+        </a:solidFill>
+        <a:gradFill rotWithShape="1">
+          <a:gsLst>
+            <a:gs pos="0">
+              <a:schemeClr val="phClr">
+                <a:tint val="40000"/>
+                <a:satMod val="350000"/>
+              </a:schemeClr>
+            </a:gs>
+            <a:gs pos="40000">
+              <a:schemeClr val="phClr">
+                <a:tint val="45000"/>
+                <a:shade val="99000"/>
+                <a:satMod val="350000"/>
+              </a:schemeClr>
+            </a:gs>
+            <a:gs pos="100000">
+              <a:schemeClr val="phClr">
+                <a:shade val="20000"/>
+                <a:satMod val="255000"/>
+              </a:schemeClr>
+            </a:gs>
+          </a:gsLst>
+          <a:path path="circle">
+            <a:fillToRect l="50000" t="-80000" r="50000" b="180000"/>
+          </a:path>
+        </a:gradFill>
+        <a:gradFill rotWithShape="1">
+          <a:gsLst>
+            <a:gs pos="0">
+              <a:schemeClr val="phClr">
+                <a:tint val="80000"/>
+                <a:satMod val="300000"/>
+              </a:schemeClr>
+            </a:gs>
+            <a:gs pos="100000">
+              <a:schemeClr val="phClr">
+                <a:shade val="30000"/>
+                <a:satMod val="200000"/>
+              </a:schemeClr>
+            </a:gs>
+          </a:gsLst>
+          <a:path path="circle">
+            <a:fillToRect l="50000" t="50000" r="50000" b="50000"/>
+          </a:path>
+        </a:gradFill>
+      </a:bgFillStyleLst>
+    </a:fmtScheme>
+  </a:themeElements>
+</a:theme>
+</file>
+
+<file path=ppt/theme/theme2.xml><?xml version="1.0" encoding="utf-8"?>
 <a:theme xmlns:a="http://schemas.openxmlformats.org/drawingml/2006/main" xmlns:r="http://schemas.openxmlformats.org/officeDocument/2006/relationships">
   <a:themeElements>
     <a:clrScheme name="Default">
@@ -6687,283 +7359,4 @@
     </a:fmtScheme>
   </a:themeElements>
 </a:theme>
-</file>
-
-<file path=ppt/theme/theme2.xml><?xml version="1.0" encoding="utf-8"?>
-<a:theme xmlns:a="http://schemas.openxmlformats.org/drawingml/2006/main" xmlns:r="http://schemas.openxmlformats.org/officeDocument/2006/relationships" name="Simple Light">
-  <a:themeElements>
-    <a:clrScheme name="Simple Light">
-      <a:dk1>
-        <a:srgbClr val="000000"/>
-      </a:dk1>
-      <a:lt1>
-        <a:srgbClr val="FFFFFF"/>
-      </a:lt1>
-      <a:dk2>
-        <a:srgbClr val="595959"/>
-      </a:dk2>
-      <a:lt2>
-        <a:srgbClr val="EEEEEE"/>
-      </a:lt2>
-      <a:accent1>
-        <a:srgbClr val="4285F4"/>
-      </a:accent1>
-      <a:accent2>
-        <a:srgbClr val="212121"/>
-      </a:accent2>
-      <a:accent3>
-        <a:srgbClr val="78909C"/>
-      </a:accent3>
-      <a:accent4>
-        <a:srgbClr val="FFAB40"/>
-      </a:accent4>
-      <a:accent5>
-        <a:srgbClr val="0097A7"/>
-      </a:accent5>
-      <a:accent6>
-        <a:srgbClr val="EEFF41"/>
-      </a:accent6>
-      <a:hlink>
-        <a:srgbClr val="0097A7"/>
-      </a:hlink>
-      <a:folHlink>
-        <a:srgbClr val="0097A7"/>
-      </a:folHlink>
-    </a:clrScheme>
-    <a:fontScheme name="Office">
-      <a:majorFont>
-        <a:latin typeface="Arial"/>
-        <a:ea typeface=""/>
-        <a:cs typeface=""/>
-        <a:font script="Jpan" typeface="ＭＳ Ｐゴシック"/>
-        <a:font script="Hang" typeface="맑은 고딕"/>
-        <a:font script="Hans" typeface="宋体"/>
-        <a:font script="Hant" typeface="新細明體"/>
-        <a:font script="Arab" typeface="Times New Roman"/>
-        <a:font script="Hebr" typeface="Times New Roman"/>
-        <a:font script="Thai" typeface="Angsana New"/>
-        <a:font script="Ethi" typeface="Nyala"/>
-        <a:font script="Beng" typeface="Vrinda"/>
-        <a:font script="Gujr" typeface="Shruti"/>
-        <a:font script="Khmr" typeface="MoolBoran"/>
-        <a:font script="Knda" typeface="Tunga"/>
-        <a:font script="Guru" typeface="Raavi"/>
-        <a:font script="Cans" typeface="Euphemia"/>
-        <a:font script="Cher" typeface="Plantagenet Cherokee"/>
-        <a:font script="Yiii" typeface="Microsoft Yi Baiti"/>
-        <a:font script="Tibt" typeface="Microsoft Himalaya"/>
-        <a:font script="Thaa" typeface="MV Boli"/>
-        <a:font script="Deva" typeface="Mangal"/>
-        <a:font script="Telu" typeface="Gautami"/>
-        <a:font script="Taml" typeface="Latha"/>
-        <a:font script="Syrc" typeface="Estrangelo Edessa"/>
-        <a:font script="Orya" typeface="Kalinga"/>
-        <a:font script="Mlym" typeface="Kartika"/>
-        <a:font script="Laoo" typeface="DokChampa"/>
-        <a:font script="Sinh" typeface="Iskoola Pota"/>
-        <a:font script="Mong" typeface="Mongolian Baiti"/>
-        <a:font script="Viet" typeface="Times New Roman"/>
-        <a:font script="Uigh" typeface="Microsoft Uighur"/>
-        <a:font script="Geor" typeface="Sylfaen"/>
-      </a:majorFont>
-      <a:minorFont>
-        <a:latin typeface="Arial"/>
-        <a:ea typeface=""/>
-        <a:cs typeface=""/>
-        <a:font script="Jpan" typeface="ＭＳ Ｐゴシック"/>
-        <a:font script="Hang" typeface="맑은 고딕"/>
-        <a:font script="Hans" typeface="宋体"/>
-        <a:font script="Hant" typeface="新細明體"/>
-        <a:font script="Arab" typeface="Arial"/>
-        <a:font script="Hebr" typeface="Arial"/>
-        <a:font script="Thai" typeface="Cordia New"/>
-        <a:font script="Ethi" typeface="Nyala"/>
-        <a:font script="Beng" typeface="Vrinda"/>
-        <a:font script="Gujr" typeface="Shruti"/>
-        <a:font script="Khmr" typeface="DaunPenh"/>
-        <a:font script="Knda" typeface="Tunga"/>
-        <a:font script="Guru" typeface="Raavi"/>
-        <a:font script="Cans" typeface="Euphemia"/>
-        <a:font script="Cher" typeface="Plantagenet Cherokee"/>
-        <a:font script="Yiii" typeface="Microsoft Yi Baiti"/>
-        <a:font script="Tibt" typeface="Microsoft Himalaya"/>
-        <a:font script="Thaa" typeface="MV Boli"/>
-        <a:font script="Deva" typeface="Mangal"/>
-        <a:font script="Telu" typeface="Gautami"/>
-        <a:font script="Taml" typeface="Latha"/>
-        <a:font script="Syrc" typeface="Estrangelo Edessa"/>
-        <a:font script="Orya" typeface="Kalinga"/>
-        <a:font script="Mlym" typeface="Kartika"/>
-        <a:font script="Laoo" typeface="DokChampa"/>
-        <a:font script="Sinh" typeface="Iskoola Pota"/>
-        <a:font script="Mong" typeface="Mongolian Baiti"/>
-        <a:font script="Viet" typeface="Arial"/>
-        <a:font script="Uigh" typeface="Microsoft Uighur"/>
-        <a:font script="Geor" typeface="Sylfaen"/>
-      </a:minorFont>
-    </a:fontScheme>
-    <a:fmtScheme name="Office">
-      <a:fillStyleLst>
-        <a:solidFill>
-          <a:schemeClr val="phClr"/>
-        </a:solidFill>
-        <a:gradFill rotWithShape="1">
-          <a:gsLst>
-            <a:gs pos="0">
-              <a:schemeClr val="phClr">
-                <a:tint val="50000"/>
-                <a:satMod val="300000"/>
-              </a:schemeClr>
-            </a:gs>
-            <a:gs pos="35000">
-              <a:schemeClr val="phClr">
-                <a:tint val="37000"/>
-                <a:satMod val="300000"/>
-              </a:schemeClr>
-            </a:gs>
-            <a:gs pos="100000">
-              <a:schemeClr val="phClr">
-                <a:tint val="15000"/>
-                <a:satMod val="350000"/>
-              </a:schemeClr>
-            </a:gs>
-          </a:gsLst>
-          <a:lin ang="16200000" scaled="1"/>
-        </a:gradFill>
-        <a:gradFill rotWithShape="1">
-          <a:gsLst>
-            <a:gs pos="0">
-              <a:schemeClr val="phClr">
-                <a:tint val="100000"/>
-                <a:shade val="100000"/>
-                <a:satMod val="130000"/>
-              </a:schemeClr>
-            </a:gs>
-            <a:gs pos="100000">
-              <a:schemeClr val="phClr">
-                <a:tint val="50000"/>
-                <a:shade val="100000"/>
-                <a:satMod val="350000"/>
-              </a:schemeClr>
-            </a:gs>
-          </a:gsLst>
-          <a:lin ang="16200000" scaled="0"/>
-        </a:gradFill>
-      </a:fillStyleLst>
-      <a:lnStyleLst>
-        <a:ln w="9525" cap="flat" cmpd="sng" algn="ctr">
-          <a:solidFill>
-            <a:schemeClr val="phClr">
-              <a:shade val="95000"/>
-              <a:satMod val="105000"/>
-            </a:schemeClr>
-          </a:solidFill>
-          <a:prstDash val="solid"/>
-        </a:ln>
-        <a:ln w="25400" cap="flat" cmpd="sng" algn="ctr">
-          <a:solidFill>
-            <a:schemeClr val="phClr"/>
-          </a:solidFill>
-          <a:prstDash val="solid"/>
-        </a:ln>
-        <a:ln w="38100" cap="flat" cmpd="sng" algn="ctr">
-          <a:solidFill>
-            <a:schemeClr val="phClr"/>
-          </a:solidFill>
-          <a:prstDash val="solid"/>
-        </a:ln>
-      </a:lnStyleLst>
-      <a:effectStyleLst>
-        <a:effectStyle>
-          <a:effectLst>
-            <a:outerShdw blurRad="40000" dist="20000" dir="5400000" rotWithShape="0">
-              <a:srgbClr val="000000">
-                <a:alpha val="38000"/>
-              </a:srgbClr>
-            </a:outerShdw>
-          </a:effectLst>
-        </a:effectStyle>
-        <a:effectStyle>
-          <a:effectLst>
-            <a:outerShdw blurRad="40000" dist="23000" dir="5400000" rotWithShape="0">
-              <a:srgbClr val="000000">
-                <a:alpha val="35000"/>
-              </a:srgbClr>
-            </a:outerShdw>
-          </a:effectLst>
-        </a:effectStyle>
-        <a:effectStyle>
-          <a:effectLst>
-            <a:outerShdw blurRad="40000" dist="23000" dir="5400000" rotWithShape="0">
-              <a:srgbClr val="000000">
-                <a:alpha val="35000"/>
-              </a:srgbClr>
-            </a:outerShdw>
-          </a:effectLst>
-          <a:scene3d>
-            <a:camera prst="orthographicFront">
-              <a:rot lat="0" lon="0" rev="0"/>
-            </a:camera>
-            <a:lightRig rig="threePt" dir="t">
-              <a:rot lat="0" lon="0" rev="1200000"/>
-            </a:lightRig>
-          </a:scene3d>
-          <a:sp3d>
-            <a:bevelT w="63500" h="25400"/>
-          </a:sp3d>
-        </a:effectStyle>
-      </a:effectStyleLst>
-      <a:bgFillStyleLst>
-        <a:solidFill>
-          <a:schemeClr val="phClr"/>
-        </a:solidFill>
-        <a:gradFill rotWithShape="1">
-          <a:gsLst>
-            <a:gs pos="0">
-              <a:schemeClr val="phClr">
-                <a:tint val="40000"/>
-                <a:satMod val="350000"/>
-              </a:schemeClr>
-            </a:gs>
-            <a:gs pos="40000">
-              <a:schemeClr val="phClr">
-                <a:tint val="45000"/>
-                <a:shade val="99000"/>
-                <a:satMod val="350000"/>
-              </a:schemeClr>
-            </a:gs>
-            <a:gs pos="100000">
-              <a:schemeClr val="phClr">
-                <a:shade val="20000"/>
-                <a:satMod val="255000"/>
-              </a:schemeClr>
-            </a:gs>
-          </a:gsLst>
-          <a:path path="circle">
-            <a:fillToRect l="50000" t="-80000" r="50000" b="180000"/>
-          </a:path>
-        </a:gradFill>
-        <a:gradFill rotWithShape="1">
-          <a:gsLst>
-            <a:gs pos="0">
-              <a:schemeClr val="phClr">
-                <a:tint val="80000"/>
-                <a:satMod val="300000"/>
-              </a:schemeClr>
-            </a:gs>
-            <a:gs pos="100000">
-              <a:schemeClr val="phClr">
-                <a:shade val="30000"/>
-                <a:satMod val="200000"/>
-              </a:schemeClr>
-            </a:gs>
-          </a:gsLst>
-          <a:path path="circle">
-            <a:fillToRect l="50000" t="50000" r="50000" b="50000"/>
-          </a:path>
-        </a:gradFill>
-      </a:bgFillStyleLst>
-    </a:fmtScheme>
-  </a:themeElements>
-</a:theme>
 </file>
--- a/Dashboard Blueprint.pptx
+++ b/Dashboard Blueprint.pptx
@@ -16,6 +16,7 @@
     <p:sldId id="261" r:id="rId11"/>
     <p:sldId id="262" r:id="rId12"/>
     <p:sldId id="263" r:id="rId13"/>
+    <p:sldId id="264" r:id="rId14"/>
   </p:sldIdLst>
   <p:sldSz cy="5143500" cx="9144000"/>
   <p:notesSz cx="6858000" cy="9144000"/>
@@ -896,7 +897,7 @@
   <p:cSld>
     <p:spTree>
       <p:nvGrpSpPr>
-        <p:cNvPr id="61" name="Shape 61"/>
+        <p:cNvPr id="62" name="Shape 62"/>
         <p:cNvGrpSpPr/>
         <p:nvPr/>
       </p:nvGrpSpPr>
@@ -910,7 +911,7 @@
       </p:grpSpPr>
       <p:sp>
         <p:nvSpPr>
-          <p:cNvPr id="62" name="Google Shape;62;g147cb57765a_0_0:notes"/>
+          <p:cNvPr id="63" name="Google Shape;63;g1421e8b540f_0_5:notes"/>
           <p:cNvSpPr/>
           <p:nvPr>
             <p:ph idx="2" type="sldImg"/>
@@ -945,7 +946,7 @@
       </p:sp>
       <p:sp>
         <p:nvSpPr>
-          <p:cNvPr id="63" name="Google Shape;63;g147cb57765a_0_0:notes"/>
+          <p:cNvPr id="64" name="Google Shape;64;g1421e8b540f_0_5:notes"/>
           <p:cNvSpPr txBox="1"/>
           <p:nvPr>
             <p:ph idx="1" type="body"/>
@@ -995,7 +996,7 @@
   <p:cSld>
     <p:spTree>
       <p:nvGrpSpPr>
-        <p:cNvPr id="66" name="Shape 66"/>
+        <p:cNvPr id="68" name="Shape 68"/>
         <p:cNvGrpSpPr/>
         <p:nvPr/>
       </p:nvGrpSpPr>
@@ -1009,7 +1010,7 @@
       </p:grpSpPr>
       <p:sp>
         <p:nvSpPr>
-          <p:cNvPr id="67" name="Google Shape;67;g147cb57765a_0_6:notes"/>
+          <p:cNvPr id="69" name="Google Shape;69;g1421e8b540f_0_18:notes"/>
           <p:cNvSpPr/>
           <p:nvPr>
             <p:ph idx="2" type="sldImg"/>
@@ -1044,7 +1045,7 @@
       </p:sp>
       <p:sp>
         <p:nvSpPr>
-          <p:cNvPr id="68" name="Google Shape;68;g147cb57765a_0_6:notes"/>
+          <p:cNvPr id="70" name="Google Shape;70;g1421e8b540f_0_18:notes"/>
           <p:cNvSpPr txBox="1"/>
           <p:nvPr>
             <p:ph idx="1" type="body"/>
@@ -1094,7 +1095,7 @@
   <p:cSld>
     <p:spTree>
       <p:nvGrpSpPr>
-        <p:cNvPr id="71" name="Shape 71"/>
+        <p:cNvPr id="74" name="Shape 74"/>
         <p:cNvGrpSpPr/>
         <p:nvPr/>
       </p:nvGrpSpPr>
@@ -1108,7 +1109,7 @@
       </p:grpSpPr>
       <p:sp>
         <p:nvSpPr>
-          <p:cNvPr id="72" name="Google Shape;72;g147cb57765a_0_10:notes"/>
+          <p:cNvPr id="75" name="Google Shape;75;g147cb57765a_0_0:notes"/>
           <p:cNvSpPr/>
           <p:nvPr>
             <p:ph idx="2" type="sldImg"/>
@@ -1143,7 +1144,7 @@
       </p:sp>
       <p:sp>
         <p:nvSpPr>
-          <p:cNvPr id="73" name="Google Shape;73;g147cb57765a_0_10:notes"/>
+          <p:cNvPr id="76" name="Google Shape;76;g147cb57765a_0_0:notes"/>
           <p:cNvSpPr txBox="1"/>
           <p:nvPr>
             <p:ph idx="1" type="body"/>
@@ -1193,7 +1194,7 @@
   <p:cSld>
     <p:spTree>
       <p:nvGrpSpPr>
-        <p:cNvPr id="76" name="Shape 76"/>
+        <p:cNvPr id="81" name="Shape 81"/>
         <p:cNvGrpSpPr/>
         <p:nvPr/>
       </p:nvGrpSpPr>
@@ -1207,7 +1208,7 @@
       </p:grpSpPr>
       <p:sp>
         <p:nvSpPr>
-          <p:cNvPr id="77" name="Google Shape;77;g147cb57765a_0_14:notes"/>
+          <p:cNvPr id="82" name="Google Shape;82;g145a3c5e5ec_0_3:notes"/>
           <p:cNvSpPr/>
           <p:nvPr>
             <p:ph idx="2" type="sldImg"/>
@@ -1242,7 +1243,7 @@
       </p:sp>
       <p:sp>
         <p:nvSpPr>
-          <p:cNvPr id="78" name="Google Shape;78;g147cb57765a_0_14:notes"/>
+          <p:cNvPr id="83" name="Google Shape;83;g145a3c5e5ec_0_3:notes"/>
           <p:cNvSpPr txBox="1"/>
           <p:nvPr>
             <p:ph idx="1" type="body"/>
@@ -1292,7 +1293,7 @@
   <p:cSld>
     <p:spTree>
       <p:nvGrpSpPr>
-        <p:cNvPr id="81" name="Shape 81"/>
+        <p:cNvPr id="87" name="Shape 87"/>
         <p:cNvGrpSpPr/>
         <p:nvPr/>
       </p:nvGrpSpPr>
@@ -1306,7 +1307,7 @@
       </p:grpSpPr>
       <p:sp>
         <p:nvSpPr>
-          <p:cNvPr id="82" name="Google Shape;82;g1421e8b540f_0_5:notes"/>
+          <p:cNvPr id="88" name="Google Shape;88;g145a3c5e5ec_0_8:notes"/>
           <p:cNvSpPr/>
           <p:nvPr>
             <p:ph idx="2" type="sldImg"/>
@@ -1341,7 +1342,7 @@
       </p:sp>
       <p:sp>
         <p:nvSpPr>
-          <p:cNvPr id="83" name="Google Shape;83;g1421e8b540f_0_5:notes"/>
+          <p:cNvPr id="89" name="Google Shape;89;g145a3c5e5ec_0_8:notes"/>
           <p:cNvSpPr txBox="1"/>
           <p:nvPr>
             <p:ph idx="1" type="body"/>
@@ -1391,7 +1392,7 @@
   <p:cSld>
     <p:spTree>
       <p:nvGrpSpPr>
-        <p:cNvPr id="87" name="Shape 87"/>
+        <p:cNvPr id="92" name="Shape 92"/>
         <p:cNvGrpSpPr/>
         <p:nvPr/>
       </p:nvGrpSpPr>
@@ -1405,7 +1406,7 @@
       </p:grpSpPr>
       <p:sp>
         <p:nvSpPr>
-          <p:cNvPr id="88" name="Google Shape;88;g1421e8b540f_0_18:notes"/>
+          <p:cNvPr id="93" name="Google Shape;93;g145a3c5e5ec_0_12:notes"/>
           <p:cNvSpPr/>
           <p:nvPr>
             <p:ph idx="2" type="sldImg"/>
@@ -1440,7 +1441,106 @@
       </p:sp>
       <p:sp>
         <p:nvSpPr>
-          <p:cNvPr id="89" name="Google Shape;89;g1421e8b540f_0_18:notes"/>
+          <p:cNvPr id="94" name="Google Shape;94;g145a3c5e5ec_0_12:notes"/>
+          <p:cNvSpPr txBox="1"/>
+          <p:nvPr>
+            <p:ph idx="1" type="body"/>
+          </p:nvPr>
+        </p:nvSpPr>
+        <p:spPr>
+          <a:xfrm>
+            <a:off x="685800" y="4343400"/>
+            <a:ext cx="5486400" cy="4114800"/>
+          </a:xfrm>
+          <a:prstGeom prst="rect">
+            <a:avLst/>
+          </a:prstGeom>
+        </p:spPr>
+        <p:txBody>
+          <a:bodyPr anchorCtr="0" anchor="t" bIns="91425" lIns="91425" spcFirstLastPara="1" rIns="91425" wrap="square" tIns="91425">
+            <a:noAutofit/>
+          </a:bodyPr>
+          <a:lstStyle/>
+          <a:p>
+            <a:pPr indent="0" lvl="0" marL="0" rtl="0" algn="l">
+              <a:spcBef>
+                <a:spcPts val="0"/>
+              </a:spcBef>
+              <a:spcAft>
+                <a:spcPts val="0"/>
+              </a:spcAft>
+              <a:buNone/>
+            </a:pPr>
+            <a:r>
+              <a:t/>
+            </a:r>
+            <a:endParaRPr/>
+          </a:p>
+        </p:txBody>
+      </p:sp>
+    </p:spTree>
+  </p:cSld>
+  <p:clrMapOvr>
+    <a:masterClrMapping/>
+  </p:clrMapOvr>
+</p:notes>
+</file>
+
+<file path=ppt/notesSlides/notesSlide9.xml><?xml version="1.0" encoding="utf-8"?>
+<p:notes xmlns:a="http://schemas.openxmlformats.org/drawingml/2006/main" xmlns:r="http://schemas.openxmlformats.org/officeDocument/2006/relationships" xmlns:mc="http://schemas.openxmlformats.org/markup-compatibility/2006" xmlns:mv="urn:schemas-microsoft-com:mac:vml" xmlns:p="http://schemas.openxmlformats.org/presentationml/2006/main" xmlns:c="http://schemas.openxmlformats.org/drawingml/2006/chart" xmlns:dgm="http://schemas.openxmlformats.org/drawingml/2006/diagram" xmlns:o="urn:schemas-microsoft-com:office:office" xmlns:v="urn:schemas-microsoft-com:vml" xmlns:pvml="urn:schemas-microsoft-com:office:powerpoint" xmlns:com="http://schemas.openxmlformats.org/drawingml/2006/compatibility" xmlns:p14="http://schemas.microsoft.com/office/powerpoint/2010/main" xmlns:p15="http://schemas.microsoft.com/office/powerpoint/2012/main" xmlns:ahyp="http://schemas.microsoft.com/office/drawing/2018/hyperlinkcolor" showMasterPhAnim="0" showMasterSp="0">
+  <p:cSld>
+    <p:spTree>
+      <p:nvGrpSpPr>
+        <p:cNvPr id="97" name="Shape 97"/>
+        <p:cNvGrpSpPr/>
+        <p:nvPr/>
+      </p:nvGrpSpPr>
+      <p:grpSpPr>
+        <a:xfrm>
+          <a:off x="0" y="0"/>
+          <a:ext cx="0" cy="0"/>
+          <a:chOff x="0" y="0"/>
+          <a:chExt cx="0" cy="0"/>
+        </a:xfrm>
+      </p:grpSpPr>
+      <p:sp>
+        <p:nvSpPr>
+          <p:cNvPr id="98" name="Google Shape;98;g145a3c5e5ec_0_16:notes"/>
+          <p:cNvSpPr/>
+          <p:nvPr>
+            <p:ph idx="2" type="sldImg"/>
+          </p:nvPr>
+        </p:nvSpPr>
+        <p:spPr>
+          <a:xfrm>
+            <a:off x="381300" y="685800"/>
+            <a:ext cx="6096000" cy="3429000"/>
+          </a:xfrm>
+          <a:custGeom>
+            <a:rect b="b" l="l" r="r" t="t"/>
+            <a:pathLst>
+              <a:path extrusionOk="0" h="120000" w="120000">
+                <a:moveTo>
+                  <a:pt x="0" y="0"/>
+                </a:moveTo>
+                <a:lnTo>
+                  <a:pt x="120000" y="0"/>
+                </a:lnTo>
+                <a:lnTo>
+                  <a:pt x="120000" y="120000"/>
+                </a:lnTo>
+                <a:lnTo>
+                  <a:pt x="0" y="120000"/>
+                </a:lnTo>
+                <a:close/>
+              </a:path>
+            </a:pathLst>
+          </a:custGeom>
+        </p:spPr>
+      </p:sp>
+      <p:sp>
+        <p:nvSpPr>
+          <p:cNvPr id="99" name="Google Shape;99;g145a3c5e5ec_0_16:notes"/>
           <p:cNvSpPr txBox="1"/>
           <p:nvPr>
             <p:ph idx="1" type="body"/>
@@ -6261,36 +6361,94 @@
           <p:cNvPr id="60" name="Google Shape;60;p14"/>
           <p:cNvSpPr txBox="1"/>
           <p:nvPr>
-            <p:ph type="ctrTitle"/>
+            <p:ph type="title"/>
           </p:nvPr>
         </p:nvSpPr>
         <p:spPr>
           <a:xfrm>
-            <a:off x="311708" y="744575"/>
-            <a:ext cx="8520600" cy="2052600"/>
+            <a:off x="311700" y="445025"/>
+            <a:ext cx="8520600" cy="572700"/>
           </a:xfrm>
           <a:prstGeom prst="rect">
             <a:avLst/>
           </a:prstGeom>
         </p:spPr>
         <p:txBody>
-          <a:bodyPr anchorCtr="0" anchor="b" bIns="91425" lIns="91425" spcFirstLastPara="1" rIns="91425" wrap="square" tIns="91425">
+          <a:bodyPr anchorCtr="0" anchor="t" bIns="91425" lIns="91425" spcFirstLastPara="1" rIns="91425" wrap="square" tIns="91425">
+            <a:normAutofit fontScale="90000"/>
+          </a:bodyPr>
+          <a:lstStyle/>
+          <a:p>
+            <a:pPr indent="0" lvl="0" marL="0" rtl="0" algn="l">
+              <a:spcBef>
+                <a:spcPts val="0"/>
+              </a:spcBef>
+              <a:spcAft>
+                <a:spcPts val="0"/>
+              </a:spcAft>
+              <a:buNone/>
+            </a:pPr>
+            <a:r>
+              <a:rPr lang="en"/>
+              <a:t>Electric vs. Manual Bikes</a:t>
+            </a:r>
+            <a:endParaRPr/>
+          </a:p>
+        </p:txBody>
+      </p:sp>
+      <p:sp>
+        <p:nvSpPr>
+          <p:cNvPr id="61" name="Google Shape;61;p14"/>
+          <p:cNvSpPr txBox="1"/>
+          <p:nvPr>
+            <p:ph idx="1" type="body"/>
+          </p:nvPr>
+        </p:nvSpPr>
+        <p:spPr>
+          <a:xfrm>
+            <a:off x="311700" y="1152475"/>
+            <a:ext cx="8520600" cy="3416400"/>
+          </a:xfrm>
+          <a:prstGeom prst="rect">
+            <a:avLst/>
+          </a:prstGeom>
+        </p:spPr>
+        <p:txBody>
+          <a:bodyPr anchorCtr="0" anchor="t" bIns="91425" lIns="91425" spcFirstLastPara="1" rIns="91425" wrap="square" tIns="91425">
             <a:normAutofit/>
           </a:bodyPr>
           <a:lstStyle/>
           <a:p>
-            <a:pPr indent="0" lvl="0" marL="0" rtl="0" algn="ctr">
-              <a:spcBef>
-                <a:spcPts val="0"/>
-              </a:spcBef>
-              <a:spcAft>
-                <a:spcPts val="0"/>
-              </a:spcAft>
-              <a:buNone/>
+            <a:pPr indent="-342900" lvl="0" marL="457200" rtl="0" algn="l">
+              <a:spcBef>
+                <a:spcPts val="0"/>
+              </a:spcBef>
+              <a:spcAft>
+                <a:spcPts val="0"/>
+              </a:spcAft>
+              <a:buSzPts val="1800"/>
+              <a:buChar char="●"/>
             </a:pPr>
             <a:r>
               <a:rPr lang="en"/>
-              <a:t>Electric vs. Manual Bikes</a:t>
+              <a:t>As a team, we are considering a bike share business. We want to know if electric or manual bikes would be more popular among user. </a:t>
+            </a:r>
+            <a:endParaRPr/>
+          </a:p>
+          <a:p>
+            <a:pPr indent="-342900" lvl="0" marL="457200" rtl="0" algn="l">
+              <a:spcBef>
+                <a:spcPts val="0"/>
+              </a:spcBef>
+              <a:spcAft>
+                <a:spcPts val="0"/>
+              </a:spcAft>
+              <a:buSzPts val="1800"/>
+              <a:buChar char="●"/>
+            </a:pPr>
+            <a:r>
+              <a:rPr lang="en"/>
+              <a:t>To do this we take a sample datasource from CitiBike and perform our analysis.</a:t>
             </a:r>
             <a:endParaRPr/>
           </a:p>
@@ -6309,219 +6467,7 @@
   <p:cSld>
     <p:spTree>
       <p:nvGrpSpPr>
-        <p:cNvPr id="64" name="Shape 64"/>
-        <p:cNvGrpSpPr/>
-        <p:nvPr/>
-      </p:nvGrpSpPr>
-      <p:grpSpPr>
-        <a:xfrm>
-          <a:off x="0" y="0"/>
-          <a:ext cx="0" cy="0"/>
-          <a:chOff x="0" y="0"/>
-          <a:chExt cx="0" cy="0"/>
-        </a:xfrm>
-      </p:grpSpPr>
-      <p:pic>
-        <p:nvPicPr>
-          <p:cNvPr id="65" name="Google Shape;65;p15"/>
-          <p:cNvPicPr preferRelativeResize="0"/>
-          <p:nvPr/>
-        </p:nvPicPr>
-        <p:blipFill>
-          <a:blip r:embed="rId3">
-            <a:alphaModFix/>
-          </a:blip>
-          <a:stretch>
-            <a:fillRect/>
-          </a:stretch>
-        </p:blipFill>
-        <p:spPr>
-          <a:xfrm>
-            <a:off x="174400" y="163375"/>
-            <a:ext cx="6972300" cy="4029075"/>
-          </a:xfrm>
-          <a:prstGeom prst="rect">
-            <a:avLst/>
-          </a:prstGeom>
-          <a:noFill/>
-          <a:ln>
-            <a:noFill/>
-          </a:ln>
-        </p:spPr>
-      </p:pic>
-    </p:spTree>
-  </p:cSld>
-  <p:clrMapOvr>
-    <a:masterClrMapping/>
-  </p:clrMapOvr>
-</p:sld>
-</file>
-
-<file path=ppt/slides/slide4.xml><?xml version="1.0" encoding="utf-8"?>
-<p:sld xmlns:a="http://schemas.openxmlformats.org/drawingml/2006/main" xmlns:r="http://schemas.openxmlformats.org/officeDocument/2006/relationships" xmlns:mc="http://schemas.openxmlformats.org/markup-compatibility/2006" xmlns:mv="urn:schemas-microsoft-com:mac:vml" xmlns:p="http://schemas.openxmlformats.org/presentationml/2006/main" xmlns:c="http://schemas.openxmlformats.org/drawingml/2006/chart" xmlns:dgm="http://schemas.openxmlformats.org/drawingml/2006/diagram" xmlns:o="urn:schemas-microsoft-com:office:office" xmlns:v="urn:schemas-microsoft-com:vml" xmlns:pvml="urn:schemas-microsoft-com:office:powerpoint" xmlns:com="http://schemas.openxmlformats.org/drawingml/2006/compatibility" xmlns:p14="http://schemas.microsoft.com/office/powerpoint/2010/main" xmlns:p15="http://schemas.microsoft.com/office/powerpoint/2012/main" xmlns:ahyp="http://schemas.microsoft.com/office/drawing/2018/hyperlinkcolor">
-  <p:cSld>
-    <p:spTree>
-      <p:nvGrpSpPr>
-        <p:cNvPr id="69" name="Shape 69"/>
-        <p:cNvGrpSpPr/>
-        <p:nvPr/>
-      </p:nvGrpSpPr>
-      <p:grpSpPr>
-        <a:xfrm>
-          <a:off x="0" y="0"/>
-          <a:ext cx="0" cy="0"/>
-          <a:chOff x="0" y="0"/>
-          <a:chExt cx="0" cy="0"/>
-        </a:xfrm>
-      </p:grpSpPr>
-      <p:pic>
-        <p:nvPicPr>
-          <p:cNvPr id="70" name="Google Shape;70;p16"/>
-          <p:cNvPicPr preferRelativeResize="0"/>
-          <p:nvPr/>
-        </p:nvPicPr>
-        <p:blipFill>
-          <a:blip r:embed="rId3">
-            <a:alphaModFix/>
-          </a:blip>
-          <a:stretch>
-            <a:fillRect/>
-          </a:stretch>
-        </p:blipFill>
-        <p:spPr>
-          <a:xfrm>
-            <a:off x="152400" y="152400"/>
-            <a:ext cx="7315200" cy="4486275"/>
-          </a:xfrm>
-          <a:prstGeom prst="rect">
-            <a:avLst/>
-          </a:prstGeom>
-          <a:noFill/>
-          <a:ln>
-            <a:noFill/>
-          </a:ln>
-        </p:spPr>
-      </p:pic>
-    </p:spTree>
-  </p:cSld>
-  <p:clrMapOvr>
-    <a:masterClrMapping/>
-  </p:clrMapOvr>
-</p:sld>
-</file>
-
-<file path=ppt/slides/slide5.xml><?xml version="1.0" encoding="utf-8"?>
-<p:sld xmlns:a="http://schemas.openxmlformats.org/drawingml/2006/main" xmlns:r="http://schemas.openxmlformats.org/officeDocument/2006/relationships" xmlns:mc="http://schemas.openxmlformats.org/markup-compatibility/2006" xmlns:mv="urn:schemas-microsoft-com:mac:vml" xmlns:p="http://schemas.openxmlformats.org/presentationml/2006/main" xmlns:c="http://schemas.openxmlformats.org/drawingml/2006/chart" xmlns:dgm="http://schemas.openxmlformats.org/drawingml/2006/diagram" xmlns:o="urn:schemas-microsoft-com:office:office" xmlns:v="urn:schemas-microsoft-com:vml" xmlns:pvml="urn:schemas-microsoft-com:office:powerpoint" xmlns:com="http://schemas.openxmlformats.org/drawingml/2006/compatibility" xmlns:p14="http://schemas.microsoft.com/office/powerpoint/2010/main" xmlns:p15="http://schemas.microsoft.com/office/powerpoint/2012/main" xmlns:ahyp="http://schemas.microsoft.com/office/drawing/2018/hyperlinkcolor">
-  <p:cSld>
-    <p:spTree>
-      <p:nvGrpSpPr>
-        <p:cNvPr id="74" name="Shape 74"/>
-        <p:cNvGrpSpPr/>
-        <p:nvPr/>
-      </p:nvGrpSpPr>
-      <p:grpSpPr>
-        <a:xfrm>
-          <a:off x="0" y="0"/>
-          <a:ext cx="0" cy="0"/>
-          <a:chOff x="0" y="0"/>
-          <a:chExt cx="0" cy="0"/>
-        </a:xfrm>
-      </p:grpSpPr>
-      <p:pic>
-        <p:nvPicPr>
-          <p:cNvPr id="75" name="Google Shape;75;p17"/>
-          <p:cNvPicPr preferRelativeResize="0"/>
-          <p:nvPr/>
-        </p:nvPicPr>
-        <p:blipFill>
-          <a:blip r:embed="rId3">
-            <a:alphaModFix/>
-          </a:blip>
-          <a:stretch>
-            <a:fillRect/>
-          </a:stretch>
-        </p:blipFill>
-        <p:spPr>
-          <a:xfrm>
-            <a:off x="1251475" y="75475"/>
-            <a:ext cx="5844841" cy="4838699"/>
-          </a:xfrm>
-          <a:prstGeom prst="rect">
-            <a:avLst/>
-          </a:prstGeom>
-          <a:noFill/>
-          <a:ln>
-            <a:noFill/>
-          </a:ln>
-        </p:spPr>
-      </p:pic>
-    </p:spTree>
-  </p:cSld>
-  <p:clrMapOvr>
-    <a:masterClrMapping/>
-  </p:clrMapOvr>
-</p:sld>
-</file>
-
-<file path=ppt/slides/slide6.xml><?xml version="1.0" encoding="utf-8"?>
-<p:sld xmlns:a="http://schemas.openxmlformats.org/drawingml/2006/main" xmlns:r="http://schemas.openxmlformats.org/officeDocument/2006/relationships" xmlns:mc="http://schemas.openxmlformats.org/markup-compatibility/2006" xmlns:mv="urn:schemas-microsoft-com:mac:vml" xmlns:p="http://schemas.openxmlformats.org/presentationml/2006/main" xmlns:c="http://schemas.openxmlformats.org/drawingml/2006/chart" xmlns:dgm="http://schemas.openxmlformats.org/drawingml/2006/diagram" xmlns:o="urn:schemas-microsoft-com:office:office" xmlns:v="urn:schemas-microsoft-com:vml" xmlns:pvml="urn:schemas-microsoft-com:office:powerpoint" xmlns:com="http://schemas.openxmlformats.org/drawingml/2006/compatibility" xmlns:p14="http://schemas.microsoft.com/office/powerpoint/2010/main" xmlns:p15="http://schemas.microsoft.com/office/powerpoint/2012/main" xmlns:ahyp="http://schemas.microsoft.com/office/drawing/2018/hyperlinkcolor">
-  <p:cSld>
-    <p:spTree>
-      <p:nvGrpSpPr>
-        <p:cNvPr id="79" name="Shape 79"/>
-        <p:cNvGrpSpPr/>
-        <p:nvPr/>
-      </p:nvGrpSpPr>
-      <p:grpSpPr>
-        <a:xfrm>
-          <a:off x="0" y="0"/>
-          <a:ext cx="0" cy="0"/>
-          <a:chOff x="0" y="0"/>
-          <a:chExt cx="0" cy="0"/>
-        </a:xfrm>
-      </p:grpSpPr>
-      <p:pic>
-        <p:nvPicPr>
-          <p:cNvPr id="80" name="Google Shape;80;p18"/>
-          <p:cNvPicPr preferRelativeResize="0"/>
-          <p:nvPr/>
-        </p:nvPicPr>
-        <p:blipFill>
-          <a:blip r:embed="rId3">
-            <a:alphaModFix/>
-          </a:blip>
-          <a:stretch>
-            <a:fillRect/>
-          </a:stretch>
-        </p:blipFill>
-        <p:spPr>
-          <a:xfrm>
-            <a:off x="152400" y="152400"/>
-            <a:ext cx="7991071" cy="4838700"/>
-          </a:xfrm>
-          <a:prstGeom prst="rect">
-            <a:avLst/>
-          </a:prstGeom>
-          <a:noFill/>
-          <a:ln>
-            <a:noFill/>
-          </a:ln>
-        </p:spPr>
-      </p:pic>
-    </p:spTree>
-  </p:cSld>
-  <p:clrMapOvr>
-    <a:masterClrMapping/>
-  </p:clrMapOvr>
-</p:sld>
-</file>
-
-<file path=ppt/slides/slide7.xml><?xml version="1.0" encoding="utf-8"?>
-<p:sld xmlns:a="http://schemas.openxmlformats.org/drawingml/2006/main" xmlns:r="http://schemas.openxmlformats.org/officeDocument/2006/relationships" xmlns:mc="http://schemas.openxmlformats.org/markup-compatibility/2006" xmlns:mv="urn:schemas-microsoft-com:mac:vml" xmlns:p="http://schemas.openxmlformats.org/presentationml/2006/main" xmlns:c="http://schemas.openxmlformats.org/drawingml/2006/chart" xmlns:dgm="http://schemas.openxmlformats.org/drawingml/2006/diagram" xmlns:o="urn:schemas-microsoft-com:office:office" xmlns:v="urn:schemas-microsoft-com:vml" xmlns:pvml="urn:schemas-microsoft-com:office:powerpoint" xmlns:com="http://schemas.openxmlformats.org/drawingml/2006/compatibility" xmlns:p14="http://schemas.microsoft.com/office/powerpoint/2010/main" xmlns:p15="http://schemas.microsoft.com/office/powerpoint/2012/main" xmlns:ahyp="http://schemas.microsoft.com/office/drawing/2018/hyperlinkcolor">
-  <p:cSld>
-    <p:spTree>
-      <p:nvGrpSpPr>
-        <p:cNvPr id="84" name="Shape 84"/>
+        <p:cNvPr id="65" name="Shape 65"/>
         <p:cNvGrpSpPr/>
         <p:nvPr/>
       </p:nvGrpSpPr>
@@ -6535,7 +6481,7 @@
       </p:grpSpPr>
       <p:sp>
         <p:nvSpPr>
-          <p:cNvPr id="85" name="Google Shape;85;p19"/>
+          <p:cNvPr id="66" name="Google Shape;66;p15"/>
           <p:cNvSpPr txBox="1"/>
           <p:nvPr>
             <p:ph type="title"/>
@@ -6575,7 +6521,7 @@
       </p:sp>
       <p:sp>
         <p:nvSpPr>
-          <p:cNvPr id="86" name="Google Shape;86;p19"/>
+          <p:cNvPr id="67" name="Google Shape;67;p15"/>
           <p:cNvSpPr txBox="1"/>
           <p:nvPr>
             <p:ph idx="1" type="body"/>
@@ -6663,12 +6609,12 @@
 </p:sld>
 </file>
 
-<file path=ppt/slides/slide8.xml><?xml version="1.0" encoding="utf-8"?>
+<file path=ppt/slides/slide4.xml><?xml version="1.0" encoding="utf-8"?>
 <p:sld xmlns:a="http://schemas.openxmlformats.org/drawingml/2006/main" xmlns:r="http://schemas.openxmlformats.org/officeDocument/2006/relationships" xmlns:mc="http://schemas.openxmlformats.org/markup-compatibility/2006" xmlns:mv="urn:schemas-microsoft-com:mac:vml" xmlns:p="http://schemas.openxmlformats.org/presentationml/2006/main" xmlns:c="http://schemas.openxmlformats.org/drawingml/2006/chart" xmlns:dgm="http://schemas.openxmlformats.org/drawingml/2006/diagram" xmlns:o="urn:schemas-microsoft-com:office:office" xmlns:v="urn:schemas-microsoft-com:vml" xmlns:pvml="urn:schemas-microsoft-com:office:powerpoint" xmlns:com="http://schemas.openxmlformats.org/drawingml/2006/compatibility" xmlns:p14="http://schemas.microsoft.com/office/powerpoint/2010/main" xmlns:p15="http://schemas.microsoft.com/office/powerpoint/2012/main" xmlns:ahyp="http://schemas.microsoft.com/office/drawing/2018/hyperlinkcolor">
   <p:cSld>
     <p:spTree>
       <p:nvGrpSpPr>
-        <p:cNvPr id="90" name="Shape 90"/>
+        <p:cNvPr id="71" name="Shape 71"/>
         <p:cNvGrpSpPr/>
         <p:nvPr/>
       </p:nvGrpSpPr>
@@ -6682,7 +6628,7 @@
       </p:grpSpPr>
       <p:sp>
         <p:nvSpPr>
-          <p:cNvPr id="91" name="Google Shape;91;p20"/>
+          <p:cNvPr id="72" name="Google Shape;72;p16"/>
           <p:cNvSpPr txBox="1"/>
           <p:nvPr>
             <p:ph type="title"/>
@@ -6722,7 +6668,7 @@
       </p:sp>
       <p:sp>
         <p:nvSpPr>
-          <p:cNvPr id="92" name="Google Shape;92;p20"/>
+          <p:cNvPr id="73" name="Google Shape;73;p16"/>
           <p:cNvSpPr txBox="1"/>
           <p:nvPr>
             <p:ph idx="1" type="body"/>
@@ -6776,20 +6722,430 @@
             </a:r>
             <a:endParaRPr/>
           </a:p>
+        </p:txBody>
+      </p:sp>
+    </p:spTree>
+  </p:cSld>
+  <p:clrMapOvr>
+    <a:masterClrMapping/>
+  </p:clrMapOvr>
+</p:sld>
+</file>
+
+<file path=ppt/slides/slide5.xml><?xml version="1.0" encoding="utf-8"?>
+<p:sld xmlns:a="http://schemas.openxmlformats.org/drawingml/2006/main" xmlns:r="http://schemas.openxmlformats.org/officeDocument/2006/relationships" xmlns:mc="http://schemas.openxmlformats.org/markup-compatibility/2006" xmlns:mv="urn:schemas-microsoft-com:mac:vml" xmlns:p="http://schemas.openxmlformats.org/presentationml/2006/main" xmlns:c="http://schemas.openxmlformats.org/drawingml/2006/chart" xmlns:dgm="http://schemas.openxmlformats.org/drawingml/2006/diagram" xmlns:o="urn:schemas-microsoft-com:office:office" xmlns:v="urn:schemas-microsoft-com:vml" xmlns:pvml="urn:schemas-microsoft-com:office:powerpoint" xmlns:com="http://schemas.openxmlformats.org/drawingml/2006/compatibility" xmlns:p14="http://schemas.microsoft.com/office/powerpoint/2010/main" xmlns:p15="http://schemas.microsoft.com/office/powerpoint/2012/main" xmlns:ahyp="http://schemas.microsoft.com/office/drawing/2018/hyperlinkcolor">
+  <p:cSld>
+    <p:spTree>
+      <p:nvGrpSpPr>
+        <p:cNvPr id="77" name="Shape 77"/>
+        <p:cNvGrpSpPr/>
+        <p:nvPr/>
+      </p:nvGrpSpPr>
+      <p:grpSpPr>
+        <a:xfrm>
+          <a:off x="0" y="0"/>
+          <a:ext cx="0" cy="0"/>
+          <a:chOff x="0" y="0"/>
+          <a:chExt cx="0" cy="0"/>
+        </a:xfrm>
+      </p:grpSpPr>
+      <p:pic>
+        <p:nvPicPr>
+          <p:cNvPr id="78" name="Google Shape;78;p17"/>
+          <p:cNvPicPr preferRelativeResize="0"/>
+          <p:nvPr/>
+        </p:nvPicPr>
+        <p:blipFill>
+          <a:blip r:embed="rId3">
+            <a:alphaModFix/>
+          </a:blip>
+          <a:stretch>
+            <a:fillRect/>
+          </a:stretch>
+        </p:blipFill>
+        <p:spPr>
+          <a:xfrm>
+            <a:off x="454575" y="1339350"/>
+            <a:ext cx="5746249" cy="3320575"/>
+          </a:xfrm>
+          <a:prstGeom prst="rect">
+            <a:avLst/>
+          </a:prstGeom>
+          <a:noFill/>
+          <a:ln>
+            <a:noFill/>
+          </a:ln>
+        </p:spPr>
+      </p:pic>
+      <p:sp>
+        <p:nvSpPr>
+          <p:cNvPr id="79" name="Google Shape;79;p17"/>
+          <p:cNvSpPr txBox="1"/>
+          <p:nvPr>
+            <p:ph type="title"/>
+          </p:nvPr>
+        </p:nvSpPr>
+        <p:spPr>
+          <a:xfrm>
+            <a:off x="311700" y="445025"/>
+            <a:ext cx="8520600" cy="572700"/>
+          </a:xfrm>
+          <a:prstGeom prst="rect">
+            <a:avLst/>
+          </a:prstGeom>
+        </p:spPr>
+        <p:txBody>
+          <a:bodyPr anchorCtr="0" anchor="t" bIns="91425" lIns="91425" spcFirstLastPara="1" rIns="91425" wrap="square" tIns="91425">
+            <a:normAutofit fontScale="90000"/>
+          </a:bodyPr>
+          <a:lstStyle/>
           <a:p>
-            <a:pPr indent="-342900" lvl="0" marL="457200" rtl="0" algn="l">
-              <a:spcBef>
-                <a:spcPts val="0"/>
-              </a:spcBef>
-              <a:spcAft>
-                <a:spcPts val="0"/>
-              </a:spcAft>
-              <a:buSzPts val="1800"/>
-              <a:buChar char="●"/>
+            <a:pPr indent="0" lvl="0" marL="0" rtl="0" algn="l">
+              <a:spcBef>
+                <a:spcPts val="0"/>
+              </a:spcBef>
+              <a:spcAft>
+                <a:spcPts val="0"/>
+              </a:spcAft>
+              <a:buNone/>
             </a:pPr>
             <a:r>
               <a:rPr lang="en"/>
-              <a:t>Heat Mat </a:t>
+              <a:t>Images from </a:t>
+            </a:r>
+            <a:r>
+              <a:rPr lang="en"/>
+              <a:t>initial analysis </a:t>
+            </a:r>
+            <a:endParaRPr/>
+          </a:p>
+        </p:txBody>
+      </p:sp>
+      <p:pic>
+        <p:nvPicPr>
+          <p:cNvPr id="80" name="Google Shape;80;p17"/>
+          <p:cNvPicPr preferRelativeResize="0"/>
+          <p:nvPr/>
+        </p:nvPicPr>
+        <p:blipFill rotWithShape="1">
+          <a:blip r:embed="rId4">
+            <a:alphaModFix/>
+          </a:blip>
+          <a:srcRect b="4180" l="0" r="0" t="-4180"/>
+          <a:stretch/>
+        </p:blipFill>
+        <p:spPr>
+          <a:xfrm>
+            <a:off x="3884400" y="1242013"/>
+            <a:ext cx="5157176" cy="3162800"/>
+          </a:xfrm>
+          <a:prstGeom prst="rect">
+            <a:avLst/>
+          </a:prstGeom>
+          <a:noFill/>
+          <a:ln>
+            <a:noFill/>
+          </a:ln>
+        </p:spPr>
+      </p:pic>
+    </p:spTree>
+  </p:cSld>
+  <p:clrMapOvr>
+    <a:masterClrMapping/>
+  </p:clrMapOvr>
+</p:sld>
+</file>
+
+<file path=ppt/slides/slide6.xml><?xml version="1.0" encoding="utf-8"?>
+<p:sld xmlns:a="http://schemas.openxmlformats.org/drawingml/2006/main" xmlns:r="http://schemas.openxmlformats.org/officeDocument/2006/relationships" xmlns:mc="http://schemas.openxmlformats.org/markup-compatibility/2006" xmlns:mv="urn:schemas-microsoft-com:mac:vml" xmlns:p="http://schemas.openxmlformats.org/presentationml/2006/main" xmlns:c="http://schemas.openxmlformats.org/drawingml/2006/chart" xmlns:dgm="http://schemas.openxmlformats.org/drawingml/2006/diagram" xmlns:o="urn:schemas-microsoft-com:office:office" xmlns:v="urn:schemas-microsoft-com:vml" xmlns:pvml="urn:schemas-microsoft-com:office:powerpoint" xmlns:com="http://schemas.openxmlformats.org/drawingml/2006/compatibility" xmlns:p14="http://schemas.microsoft.com/office/powerpoint/2010/main" xmlns:p15="http://schemas.microsoft.com/office/powerpoint/2012/main" xmlns:ahyp="http://schemas.microsoft.com/office/drawing/2018/hyperlinkcolor">
+  <p:cSld>
+    <p:spTree>
+      <p:nvGrpSpPr>
+        <p:cNvPr id="84" name="Shape 84"/>
+        <p:cNvGrpSpPr/>
+        <p:nvPr/>
+      </p:nvGrpSpPr>
+      <p:grpSpPr>
+        <a:xfrm>
+          <a:off x="0" y="0"/>
+          <a:ext cx="0" cy="0"/>
+          <a:chOff x="0" y="0"/>
+          <a:chExt cx="0" cy="0"/>
+        </a:xfrm>
+      </p:grpSpPr>
+      <p:sp>
+        <p:nvSpPr>
+          <p:cNvPr id="85" name="Google Shape;85;p18"/>
+          <p:cNvSpPr txBox="1"/>
+          <p:nvPr>
+            <p:ph type="title"/>
+          </p:nvPr>
+        </p:nvSpPr>
+        <p:spPr>
+          <a:xfrm>
+            <a:off x="311700" y="445025"/>
+            <a:ext cx="8520600" cy="572700"/>
+          </a:xfrm>
+          <a:prstGeom prst="rect">
+            <a:avLst/>
+          </a:prstGeom>
+        </p:spPr>
+        <p:txBody>
+          <a:bodyPr anchorCtr="0" anchor="t" bIns="91425" lIns="91425" spcFirstLastPara="1" rIns="91425" wrap="square" tIns="91425">
+            <a:normAutofit fontScale="90000"/>
+          </a:bodyPr>
+          <a:lstStyle/>
+          <a:p>
+            <a:pPr indent="0" lvl="0" marL="0" rtl="0" algn="l">
+              <a:spcBef>
+                <a:spcPts val="0"/>
+              </a:spcBef>
+              <a:spcAft>
+                <a:spcPts val="0"/>
+              </a:spcAft>
+              <a:buNone/>
+            </a:pPr>
+            <a:r>
+              <a:rPr lang="en"/>
+              <a:t>Data from the Machine Learning Task </a:t>
+            </a:r>
+            <a:endParaRPr/>
+          </a:p>
+        </p:txBody>
+      </p:sp>
+      <p:pic>
+        <p:nvPicPr>
+          <p:cNvPr id="86" name="Google Shape;86;p18"/>
+          <p:cNvPicPr preferRelativeResize="0"/>
+          <p:nvPr/>
+        </p:nvPicPr>
+        <p:blipFill>
+          <a:blip r:embed="rId3">
+            <a:alphaModFix/>
+          </a:blip>
+          <a:stretch>
+            <a:fillRect/>
+          </a:stretch>
+        </p:blipFill>
+        <p:spPr>
+          <a:xfrm>
+            <a:off x="1760425" y="949850"/>
+            <a:ext cx="5256142" cy="3820976"/>
+          </a:xfrm>
+          <a:prstGeom prst="rect">
+            <a:avLst/>
+          </a:prstGeom>
+          <a:noFill/>
+          <a:ln>
+            <a:noFill/>
+          </a:ln>
+        </p:spPr>
+      </p:pic>
+    </p:spTree>
+  </p:cSld>
+  <p:clrMapOvr>
+    <a:masterClrMapping/>
+  </p:clrMapOvr>
+</p:sld>
+</file>
+
+<file path=ppt/slides/slide7.xml><?xml version="1.0" encoding="utf-8"?>
+<p:sld xmlns:a="http://schemas.openxmlformats.org/drawingml/2006/main" xmlns:r="http://schemas.openxmlformats.org/officeDocument/2006/relationships" xmlns:mc="http://schemas.openxmlformats.org/markup-compatibility/2006" xmlns:mv="urn:schemas-microsoft-com:mac:vml" xmlns:p="http://schemas.openxmlformats.org/presentationml/2006/main" xmlns:c="http://schemas.openxmlformats.org/drawingml/2006/chart" xmlns:dgm="http://schemas.openxmlformats.org/drawingml/2006/diagram" xmlns:o="urn:schemas-microsoft-com:office:office" xmlns:v="urn:schemas-microsoft-com:vml" xmlns:pvml="urn:schemas-microsoft-com:office:powerpoint" xmlns:com="http://schemas.openxmlformats.org/drawingml/2006/compatibility" xmlns:p14="http://schemas.microsoft.com/office/powerpoint/2010/main" xmlns:p15="http://schemas.microsoft.com/office/powerpoint/2012/main" xmlns:ahyp="http://schemas.microsoft.com/office/drawing/2018/hyperlinkcolor">
+  <p:cSld>
+    <p:spTree>
+      <p:nvGrpSpPr>
+        <p:cNvPr id="90" name="Shape 90"/>
+        <p:cNvGrpSpPr/>
+        <p:nvPr/>
+      </p:nvGrpSpPr>
+      <p:grpSpPr>
+        <a:xfrm>
+          <a:off x="0" y="0"/>
+          <a:ext cx="0" cy="0"/>
+          <a:chOff x="0" y="0"/>
+          <a:chExt cx="0" cy="0"/>
+        </a:xfrm>
+      </p:grpSpPr>
+      <p:pic>
+        <p:nvPicPr>
+          <p:cNvPr id="91" name="Google Shape;91;p19"/>
+          <p:cNvPicPr preferRelativeResize="0"/>
+          <p:nvPr/>
+        </p:nvPicPr>
+        <p:blipFill rotWithShape="1">
+          <a:blip r:embed="rId3">
+            <a:alphaModFix/>
+          </a:blip>
+          <a:srcRect b="0" l="0" r="0" t="0"/>
+          <a:stretch/>
+        </p:blipFill>
+        <p:spPr>
+          <a:xfrm>
+            <a:off x="945400" y="559900"/>
+            <a:ext cx="6867525" cy="3543300"/>
+          </a:xfrm>
+          <a:prstGeom prst="rect">
+            <a:avLst/>
+          </a:prstGeom>
+          <a:noFill/>
+          <a:ln>
+            <a:noFill/>
+          </a:ln>
+        </p:spPr>
+      </p:pic>
+    </p:spTree>
+  </p:cSld>
+  <p:clrMapOvr>
+    <a:masterClrMapping/>
+  </p:clrMapOvr>
+</p:sld>
+</file>
+
+<file path=ppt/slides/slide8.xml><?xml version="1.0" encoding="utf-8"?>
+<p:sld xmlns:a="http://schemas.openxmlformats.org/drawingml/2006/main" xmlns:r="http://schemas.openxmlformats.org/officeDocument/2006/relationships" xmlns:mc="http://schemas.openxmlformats.org/markup-compatibility/2006" xmlns:mv="urn:schemas-microsoft-com:mac:vml" xmlns:p="http://schemas.openxmlformats.org/presentationml/2006/main" xmlns:c="http://schemas.openxmlformats.org/drawingml/2006/chart" xmlns:dgm="http://schemas.openxmlformats.org/drawingml/2006/diagram" xmlns:o="urn:schemas-microsoft-com:office:office" xmlns:v="urn:schemas-microsoft-com:vml" xmlns:pvml="urn:schemas-microsoft-com:office:powerpoint" xmlns:com="http://schemas.openxmlformats.org/drawingml/2006/compatibility" xmlns:p14="http://schemas.microsoft.com/office/powerpoint/2010/main" xmlns:p15="http://schemas.microsoft.com/office/powerpoint/2012/main" xmlns:ahyp="http://schemas.microsoft.com/office/drawing/2018/hyperlinkcolor">
+  <p:cSld>
+    <p:spTree>
+      <p:nvGrpSpPr>
+        <p:cNvPr id="95" name="Shape 95"/>
+        <p:cNvGrpSpPr/>
+        <p:nvPr/>
+      </p:nvGrpSpPr>
+      <p:grpSpPr>
+        <a:xfrm>
+          <a:off x="0" y="0"/>
+          <a:ext cx="0" cy="0"/>
+          <a:chOff x="0" y="0"/>
+          <a:chExt cx="0" cy="0"/>
+        </a:xfrm>
+      </p:grpSpPr>
+      <p:pic>
+        <p:nvPicPr>
+          <p:cNvPr id="96" name="Google Shape;96;p20"/>
+          <p:cNvPicPr preferRelativeResize="0"/>
+          <p:nvPr/>
+        </p:nvPicPr>
+        <p:blipFill>
+          <a:blip r:embed="rId3">
+            <a:alphaModFix/>
+          </a:blip>
+          <a:stretch>
+            <a:fillRect/>
+          </a:stretch>
+        </p:blipFill>
+        <p:spPr>
+          <a:xfrm>
+            <a:off x="152400" y="152400"/>
+            <a:ext cx="8839200" cy="4562168"/>
+          </a:xfrm>
+          <a:prstGeom prst="rect">
+            <a:avLst/>
+          </a:prstGeom>
+          <a:noFill/>
+          <a:ln>
+            <a:noFill/>
+          </a:ln>
+        </p:spPr>
+      </p:pic>
+    </p:spTree>
+  </p:cSld>
+  <p:clrMapOvr>
+    <a:masterClrMapping/>
+  </p:clrMapOvr>
+</p:sld>
+</file>
+
+<file path=ppt/slides/slide9.xml><?xml version="1.0" encoding="utf-8"?>
+<p:sld xmlns:a="http://schemas.openxmlformats.org/drawingml/2006/main" xmlns:r="http://schemas.openxmlformats.org/officeDocument/2006/relationships" xmlns:mc="http://schemas.openxmlformats.org/markup-compatibility/2006" xmlns:mv="urn:schemas-microsoft-com:mac:vml" xmlns:p="http://schemas.openxmlformats.org/presentationml/2006/main" xmlns:c="http://schemas.openxmlformats.org/drawingml/2006/chart" xmlns:dgm="http://schemas.openxmlformats.org/drawingml/2006/diagram" xmlns:o="urn:schemas-microsoft-com:office:office" xmlns:v="urn:schemas-microsoft-com:vml" xmlns:pvml="urn:schemas-microsoft-com:office:powerpoint" xmlns:com="http://schemas.openxmlformats.org/drawingml/2006/compatibility" xmlns:p14="http://schemas.microsoft.com/office/powerpoint/2010/main" xmlns:p15="http://schemas.microsoft.com/office/powerpoint/2012/main" xmlns:ahyp="http://schemas.microsoft.com/office/drawing/2018/hyperlinkcolor">
+  <p:cSld>
+    <p:spTree>
+      <p:nvGrpSpPr>
+        <p:cNvPr id="100" name="Shape 100"/>
+        <p:cNvGrpSpPr/>
+        <p:nvPr/>
+      </p:nvGrpSpPr>
+      <p:grpSpPr>
+        <a:xfrm>
+          <a:off x="0" y="0"/>
+          <a:ext cx="0" cy="0"/>
+          <a:chOff x="0" y="0"/>
+          <a:chExt cx="0" cy="0"/>
+        </a:xfrm>
+      </p:grpSpPr>
+      <p:sp>
+        <p:nvSpPr>
+          <p:cNvPr id="101" name="Google Shape;101;p21"/>
+          <p:cNvSpPr txBox="1"/>
+          <p:nvPr>
+            <p:ph type="ctrTitle"/>
+          </p:nvPr>
+        </p:nvSpPr>
+        <p:spPr>
+          <a:xfrm>
+            <a:off x="311708" y="744575"/>
+            <a:ext cx="8520600" cy="2052600"/>
+          </a:xfrm>
+          <a:prstGeom prst="rect">
+            <a:avLst/>
+          </a:prstGeom>
+        </p:spPr>
+        <p:txBody>
+          <a:bodyPr anchorCtr="0" anchor="b" bIns="91425" lIns="91425" spcFirstLastPara="1" rIns="91425" wrap="square" tIns="91425">
+            <a:normAutofit/>
+          </a:bodyPr>
+          <a:lstStyle/>
+          <a:p>
+            <a:pPr indent="0" lvl="0" marL="0" rtl="0" algn="ctr">
+              <a:spcBef>
+                <a:spcPts val="0"/>
+              </a:spcBef>
+              <a:spcAft>
+                <a:spcPts val="0"/>
+              </a:spcAft>
+              <a:buNone/>
+            </a:pPr>
+            <a:r>
+              <a:rPr lang="en"/>
+              <a:t>Interactive Element</a:t>
+            </a:r>
+            <a:endParaRPr/>
+          </a:p>
+        </p:txBody>
+      </p:sp>
+      <p:sp>
+        <p:nvSpPr>
+          <p:cNvPr id="102" name="Google Shape;102;p21"/>
+          <p:cNvSpPr txBox="1"/>
+          <p:nvPr>
+            <p:ph idx="1" type="subTitle"/>
+          </p:nvPr>
+        </p:nvSpPr>
+        <p:spPr>
+          <a:xfrm>
+            <a:off x="311700" y="2834125"/>
+            <a:ext cx="8520600" cy="792600"/>
+          </a:xfrm>
+          <a:prstGeom prst="rect">
+            <a:avLst/>
+          </a:prstGeom>
+        </p:spPr>
+        <p:txBody>
+          <a:bodyPr anchorCtr="0" anchor="t" bIns="91425" lIns="91425" spcFirstLastPara="1" rIns="91425" wrap="square" tIns="91425">
+            <a:normAutofit/>
+          </a:bodyPr>
+          <a:lstStyle/>
+          <a:p>
+            <a:pPr indent="0" lvl="0" marL="0" rtl="0" algn="ctr">
+              <a:spcBef>
+                <a:spcPts val="0"/>
+              </a:spcBef>
+              <a:spcAft>
+                <a:spcPts val="0"/>
+              </a:spcAft>
+              <a:buNone/>
+            </a:pPr>
+            <a:r>
+              <a:rPr lang="en"/>
+              <a:t>[Paige’s tableau link]</a:t>
             </a:r>
             <a:endParaRPr/>
           </a:p>

--- a/Dashboard Blueprint.pptx
+++ b/Dashboard Blueprint.pptx
@@ -17,6 +17,7 @@
     <p:sldId id="262" r:id="rId12"/>
     <p:sldId id="263" r:id="rId13"/>
     <p:sldId id="264" r:id="rId14"/>
+    <p:sldId id="265" r:id="rId15"/>
   </p:sldIdLst>
   <p:sldSz cy="5143500" cx="9144000"/>
   <p:notesSz cx="6858000" cy="9144000"/>
@@ -793,6 +794,105 @@
 </p:notes>
 </file>
 
+<file path=ppt/notesSlides/notesSlide10.xml><?xml version="1.0" encoding="utf-8"?>
+<p:notes xmlns:a="http://schemas.openxmlformats.org/drawingml/2006/main" xmlns:r="http://schemas.openxmlformats.org/officeDocument/2006/relationships" xmlns:mc="http://schemas.openxmlformats.org/markup-compatibility/2006" xmlns:mv="urn:schemas-microsoft-com:mac:vml" xmlns:p="http://schemas.openxmlformats.org/presentationml/2006/main" xmlns:c="http://schemas.openxmlformats.org/drawingml/2006/chart" xmlns:dgm="http://schemas.openxmlformats.org/drawingml/2006/diagram" xmlns:o="urn:schemas-microsoft-com:office:office" xmlns:v="urn:schemas-microsoft-com:vml" xmlns:pvml="urn:schemas-microsoft-com:office:powerpoint" xmlns:com="http://schemas.openxmlformats.org/drawingml/2006/compatibility" xmlns:p14="http://schemas.microsoft.com/office/powerpoint/2010/main" xmlns:p15="http://schemas.microsoft.com/office/powerpoint/2012/main" xmlns:ahyp="http://schemas.microsoft.com/office/drawing/2018/hyperlinkcolor" showMasterPhAnim="0" showMasterSp="0">
+  <p:cSld>
+    <p:spTree>
+      <p:nvGrpSpPr>
+        <p:cNvPr id="103" name="Shape 103"/>
+        <p:cNvGrpSpPr/>
+        <p:nvPr/>
+      </p:nvGrpSpPr>
+      <p:grpSpPr>
+        <a:xfrm>
+          <a:off x="0" y="0"/>
+          <a:ext cx="0" cy="0"/>
+          <a:chOff x="0" y="0"/>
+          <a:chExt cx="0" cy="0"/>
+        </a:xfrm>
+      </p:grpSpPr>
+      <p:sp>
+        <p:nvSpPr>
+          <p:cNvPr id="104" name="Google Shape;104;g145a3c5e5ec_0_16:notes"/>
+          <p:cNvSpPr/>
+          <p:nvPr>
+            <p:ph idx="2" type="sldImg"/>
+          </p:nvPr>
+        </p:nvSpPr>
+        <p:spPr>
+          <a:xfrm>
+            <a:off x="381300" y="685800"/>
+            <a:ext cx="6096000" cy="3429000"/>
+          </a:xfrm>
+          <a:custGeom>
+            <a:rect b="b" l="l" r="r" t="t"/>
+            <a:pathLst>
+              <a:path extrusionOk="0" h="120000" w="120000">
+                <a:moveTo>
+                  <a:pt x="0" y="0"/>
+                </a:moveTo>
+                <a:lnTo>
+                  <a:pt x="120000" y="0"/>
+                </a:lnTo>
+                <a:lnTo>
+                  <a:pt x="120000" y="120000"/>
+                </a:lnTo>
+                <a:lnTo>
+                  <a:pt x="0" y="120000"/>
+                </a:lnTo>
+                <a:close/>
+              </a:path>
+            </a:pathLst>
+          </a:custGeom>
+        </p:spPr>
+      </p:sp>
+      <p:sp>
+        <p:nvSpPr>
+          <p:cNvPr id="105" name="Google Shape;105;g145a3c5e5ec_0_16:notes"/>
+          <p:cNvSpPr txBox="1"/>
+          <p:nvPr>
+            <p:ph idx="1" type="body"/>
+          </p:nvPr>
+        </p:nvSpPr>
+        <p:spPr>
+          <a:xfrm>
+            <a:off x="685800" y="4343400"/>
+            <a:ext cx="5486400" cy="4114800"/>
+          </a:xfrm>
+          <a:prstGeom prst="rect">
+            <a:avLst/>
+          </a:prstGeom>
+        </p:spPr>
+        <p:txBody>
+          <a:bodyPr anchorCtr="0" anchor="t" bIns="91425" lIns="91425" spcFirstLastPara="1" rIns="91425" wrap="square" tIns="91425">
+            <a:noAutofit/>
+          </a:bodyPr>
+          <a:lstStyle/>
+          <a:p>
+            <a:pPr indent="0" lvl="0" marL="0" rtl="0" algn="l">
+              <a:spcBef>
+                <a:spcPts val="0"/>
+              </a:spcBef>
+              <a:spcAft>
+                <a:spcPts val="0"/>
+              </a:spcAft>
+              <a:buNone/>
+            </a:pPr>
+            <a:r>
+              <a:t/>
+            </a:r>
+            <a:endParaRPr/>
+          </a:p>
+        </p:txBody>
+      </p:sp>
+    </p:spTree>
+  </p:cSld>
+  <p:clrMapOvr>
+    <a:masterClrMapping/>
+  </p:clrMapOvr>
+</p:notes>
+</file>
+
 <file path=ppt/notesSlides/notesSlide2.xml><?xml version="1.0" encoding="utf-8"?>
 <p:notes xmlns:a="http://schemas.openxmlformats.org/drawingml/2006/main" xmlns:r="http://schemas.openxmlformats.org/officeDocument/2006/relationships" xmlns:mc="http://schemas.openxmlformats.org/markup-compatibility/2006" xmlns:mv="urn:schemas-microsoft-com:mac:vml" xmlns:p="http://schemas.openxmlformats.org/presentationml/2006/main" xmlns:c="http://schemas.openxmlformats.org/drawingml/2006/chart" xmlns:dgm="http://schemas.openxmlformats.org/drawingml/2006/diagram" xmlns:o="urn:schemas-microsoft-com:office:office" xmlns:v="urn:schemas-microsoft-com:vml" xmlns:pvml="urn:schemas-microsoft-com:office:powerpoint" xmlns:com="http://schemas.openxmlformats.org/drawingml/2006/compatibility" xmlns:p14="http://schemas.microsoft.com/office/powerpoint/2010/main" xmlns:p15="http://schemas.microsoft.com/office/powerpoint/2012/main" xmlns:ahyp="http://schemas.microsoft.com/office/drawing/2018/hyperlinkcolor" showMasterPhAnim="0" showMasterSp="0">
   <p:cSld>
@@ -911,7 +1011,7 @@
       </p:grpSpPr>
       <p:sp>
         <p:nvSpPr>
-          <p:cNvPr id="63" name="Google Shape;63;g1421e8b540f_0_5:notes"/>
+          <p:cNvPr id="63" name="Google Shape;63;g145a3c5e5ec_0_21:notes"/>
           <p:cNvSpPr/>
           <p:nvPr>
             <p:ph idx="2" type="sldImg"/>
@@ -946,7 +1046,7 @@
       </p:sp>
       <p:sp>
         <p:nvSpPr>
-          <p:cNvPr id="64" name="Google Shape;64;g1421e8b540f_0_5:notes"/>
+          <p:cNvPr id="64" name="Google Shape;64;g145a3c5e5ec_0_21:notes"/>
           <p:cNvSpPr txBox="1"/>
           <p:nvPr>
             <p:ph idx="1" type="body"/>
@@ -1010,7 +1110,7 @@
       </p:grpSpPr>
       <p:sp>
         <p:nvSpPr>
-          <p:cNvPr id="69" name="Google Shape;69;g1421e8b540f_0_18:notes"/>
+          <p:cNvPr id="69" name="Google Shape;69;g1421e8b540f_0_5:notes"/>
           <p:cNvSpPr/>
           <p:nvPr>
             <p:ph idx="2" type="sldImg"/>
@@ -1045,7 +1145,7 @@
       </p:sp>
       <p:sp>
         <p:nvSpPr>
-          <p:cNvPr id="70" name="Google Shape;70;g1421e8b540f_0_18:notes"/>
+          <p:cNvPr id="70" name="Google Shape;70;g1421e8b540f_0_5:notes"/>
           <p:cNvSpPr txBox="1"/>
           <p:nvPr>
             <p:ph idx="1" type="body"/>
@@ -1109,7 +1209,7 @@
       </p:grpSpPr>
       <p:sp>
         <p:nvSpPr>
-          <p:cNvPr id="75" name="Google Shape;75;g147cb57765a_0_0:notes"/>
+          <p:cNvPr id="75" name="Google Shape;75;g1421e8b540f_0_18:notes"/>
           <p:cNvSpPr/>
           <p:nvPr>
             <p:ph idx="2" type="sldImg"/>
@@ -1144,7 +1244,7 @@
       </p:sp>
       <p:sp>
         <p:nvSpPr>
-          <p:cNvPr id="76" name="Google Shape;76;g147cb57765a_0_0:notes"/>
+          <p:cNvPr id="76" name="Google Shape;76;g1421e8b540f_0_18:notes"/>
           <p:cNvSpPr txBox="1"/>
           <p:nvPr>
             <p:ph idx="1" type="body"/>
@@ -1194,7 +1294,7 @@
   <p:cSld>
     <p:spTree>
       <p:nvGrpSpPr>
-        <p:cNvPr id="81" name="Shape 81"/>
+        <p:cNvPr id="80" name="Shape 80"/>
         <p:cNvGrpSpPr/>
         <p:nvPr/>
       </p:nvGrpSpPr>
@@ -1208,7 +1308,7 @@
       </p:grpSpPr>
       <p:sp>
         <p:nvSpPr>
-          <p:cNvPr id="82" name="Google Shape;82;g145a3c5e5ec_0_3:notes"/>
+          <p:cNvPr id="81" name="Google Shape;81;g147cb57765a_0_0:notes"/>
           <p:cNvSpPr/>
           <p:nvPr>
             <p:ph idx="2" type="sldImg"/>
@@ -1243,7 +1343,7 @@
       </p:sp>
       <p:sp>
         <p:nvSpPr>
-          <p:cNvPr id="83" name="Google Shape;83;g145a3c5e5ec_0_3:notes"/>
+          <p:cNvPr id="82" name="Google Shape;82;g147cb57765a_0_0:notes"/>
           <p:cNvSpPr txBox="1"/>
           <p:nvPr>
             <p:ph idx="1" type="body"/>
@@ -1307,7 +1407,7 @@
       </p:grpSpPr>
       <p:sp>
         <p:nvSpPr>
-          <p:cNvPr id="88" name="Google Shape;88;g145a3c5e5ec_0_8:notes"/>
+          <p:cNvPr id="88" name="Google Shape;88;g145a3c5e5ec_0_3:notes"/>
           <p:cNvSpPr/>
           <p:nvPr>
             <p:ph idx="2" type="sldImg"/>
@@ -1342,7 +1442,7 @@
       </p:sp>
       <p:sp>
         <p:nvSpPr>
-          <p:cNvPr id="89" name="Google Shape;89;g145a3c5e5ec_0_8:notes"/>
+          <p:cNvPr id="89" name="Google Shape;89;g145a3c5e5ec_0_3:notes"/>
           <p:cNvSpPr txBox="1"/>
           <p:nvPr>
             <p:ph idx="1" type="body"/>
@@ -1392,7 +1492,7 @@
   <p:cSld>
     <p:spTree>
       <p:nvGrpSpPr>
-        <p:cNvPr id="92" name="Shape 92"/>
+        <p:cNvPr id="93" name="Shape 93"/>
         <p:cNvGrpSpPr/>
         <p:nvPr/>
       </p:nvGrpSpPr>
@@ -1406,7 +1506,7 @@
       </p:grpSpPr>
       <p:sp>
         <p:nvSpPr>
-          <p:cNvPr id="93" name="Google Shape;93;g145a3c5e5ec_0_12:notes"/>
+          <p:cNvPr id="94" name="Google Shape;94;g145a3c5e5ec_0_8:notes"/>
           <p:cNvSpPr/>
           <p:nvPr>
             <p:ph idx="2" type="sldImg"/>
@@ -1441,7 +1541,7 @@
       </p:sp>
       <p:sp>
         <p:nvSpPr>
-          <p:cNvPr id="94" name="Google Shape;94;g145a3c5e5ec_0_12:notes"/>
+          <p:cNvPr id="95" name="Google Shape;95;g145a3c5e5ec_0_8:notes"/>
           <p:cNvSpPr txBox="1"/>
           <p:nvPr>
             <p:ph idx="1" type="body"/>
@@ -1491,7 +1591,7 @@
   <p:cSld>
     <p:spTree>
       <p:nvGrpSpPr>
-        <p:cNvPr id="97" name="Shape 97"/>
+        <p:cNvPr id="98" name="Shape 98"/>
         <p:cNvGrpSpPr/>
         <p:nvPr/>
       </p:nvGrpSpPr>
@@ -1505,7 +1605,7 @@
       </p:grpSpPr>
       <p:sp>
         <p:nvSpPr>
-          <p:cNvPr id="98" name="Google Shape;98;g145a3c5e5ec_0_16:notes"/>
+          <p:cNvPr id="99" name="Google Shape;99;g145a3c5e5ec_0_12:notes"/>
           <p:cNvSpPr/>
           <p:nvPr>
             <p:ph idx="2" type="sldImg"/>
@@ -1540,7 +1640,7 @@
       </p:sp>
       <p:sp>
         <p:nvSpPr>
-          <p:cNvPr id="99" name="Google Shape;99;g145a3c5e5ec_0_16:notes"/>
+          <p:cNvPr id="100" name="Google Shape;100;g145a3c5e5ec_0_12:notes"/>
           <p:cNvSpPr txBox="1"/>
           <p:nvPr>
             <p:ph idx="1" type="body"/>
@@ -6339,6 +6439,111 @@
 </p:sld>
 </file>
 
+<file path=ppt/slides/slide10.xml><?xml version="1.0" encoding="utf-8"?>
+<p:sld xmlns:a="http://schemas.openxmlformats.org/drawingml/2006/main" xmlns:r="http://schemas.openxmlformats.org/officeDocument/2006/relationships" xmlns:mc="http://schemas.openxmlformats.org/markup-compatibility/2006" xmlns:mv="urn:schemas-microsoft-com:mac:vml" xmlns:p="http://schemas.openxmlformats.org/presentationml/2006/main" xmlns:c="http://schemas.openxmlformats.org/drawingml/2006/chart" xmlns:dgm="http://schemas.openxmlformats.org/drawingml/2006/diagram" xmlns:o="urn:schemas-microsoft-com:office:office" xmlns:v="urn:schemas-microsoft-com:vml" xmlns:pvml="urn:schemas-microsoft-com:office:powerpoint" xmlns:com="http://schemas.openxmlformats.org/drawingml/2006/compatibility" xmlns:p14="http://schemas.microsoft.com/office/powerpoint/2010/main" xmlns:p15="http://schemas.microsoft.com/office/powerpoint/2012/main" xmlns:ahyp="http://schemas.microsoft.com/office/drawing/2018/hyperlinkcolor">
+  <p:cSld>
+    <p:spTree>
+      <p:nvGrpSpPr>
+        <p:cNvPr id="106" name="Shape 106"/>
+        <p:cNvGrpSpPr/>
+        <p:nvPr/>
+      </p:nvGrpSpPr>
+      <p:grpSpPr>
+        <a:xfrm>
+          <a:off x="0" y="0"/>
+          <a:ext cx="0" cy="0"/>
+          <a:chOff x="0" y="0"/>
+          <a:chExt cx="0" cy="0"/>
+        </a:xfrm>
+      </p:grpSpPr>
+      <p:sp>
+        <p:nvSpPr>
+          <p:cNvPr id="107" name="Google Shape;107;p22"/>
+          <p:cNvSpPr txBox="1"/>
+          <p:nvPr>
+            <p:ph type="ctrTitle"/>
+          </p:nvPr>
+        </p:nvSpPr>
+        <p:spPr>
+          <a:xfrm>
+            <a:off x="311708" y="744575"/>
+            <a:ext cx="8520600" cy="2052600"/>
+          </a:xfrm>
+          <a:prstGeom prst="rect">
+            <a:avLst/>
+          </a:prstGeom>
+        </p:spPr>
+        <p:txBody>
+          <a:bodyPr anchorCtr="0" anchor="b" bIns="91425" lIns="91425" spcFirstLastPara="1" rIns="91425" wrap="square" tIns="91425">
+            <a:normAutofit/>
+          </a:bodyPr>
+          <a:lstStyle/>
+          <a:p>
+            <a:pPr indent="0" lvl="0" marL="0" rtl="0" algn="ctr">
+              <a:spcBef>
+                <a:spcPts val="0"/>
+              </a:spcBef>
+              <a:spcAft>
+                <a:spcPts val="0"/>
+              </a:spcAft>
+              <a:buNone/>
+            </a:pPr>
+            <a:r>
+              <a:rPr lang="en"/>
+              <a:t>Interactive Element</a:t>
+            </a:r>
+            <a:endParaRPr/>
+          </a:p>
+        </p:txBody>
+      </p:sp>
+      <p:sp>
+        <p:nvSpPr>
+          <p:cNvPr id="108" name="Google Shape;108;p22"/>
+          <p:cNvSpPr txBox="1"/>
+          <p:nvPr>
+            <p:ph idx="1" type="subTitle"/>
+          </p:nvPr>
+        </p:nvSpPr>
+        <p:spPr>
+          <a:xfrm>
+            <a:off x="311700" y="2834125"/>
+            <a:ext cx="8520600" cy="792600"/>
+          </a:xfrm>
+          <a:prstGeom prst="rect">
+            <a:avLst/>
+          </a:prstGeom>
+        </p:spPr>
+        <p:txBody>
+          <a:bodyPr anchorCtr="0" anchor="t" bIns="91425" lIns="91425" spcFirstLastPara="1" rIns="91425" wrap="square" tIns="91425">
+            <a:normAutofit/>
+          </a:bodyPr>
+          <a:lstStyle/>
+          <a:p>
+            <a:pPr indent="0" lvl="0" marL="0" rtl="0" algn="ctr">
+              <a:spcBef>
+                <a:spcPts val="0"/>
+              </a:spcBef>
+              <a:spcAft>
+                <a:spcPts val="0"/>
+              </a:spcAft>
+              <a:buNone/>
+            </a:pPr>
+            <a:r>
+              <a:rPr lang="en"/>
+              <a:t>[Paige’s tableau link]</a:t>
+            </a:r>
+            <a:endParaRPr/>
+          </a:p>
+        </p:txBody>
+      </p:sp>
+    </p:spTree>
+  </p:cSld>
+  <p:clrMapOvr>
+    <a:masterClrMapping/>
+  </p:clrMapOvr>
+</p:sld>
+</file>
+
 <file path=ppt/slides/slide2.xml><?xml version="1.0" encoding="utf-8"?>
 <p:sld xmlns:a="http://schemas.openxmlformats.org/drawingml/2006/main" xmlns:r="http://schemas.openxmlformats.org/officeDocument/2006/relationships" xmlns:mc="http://schemas.openxmlformats.org/markup-compatibility/2006" xmlns:mv="urn:schemas-microsoft-com:mac:vml" xmlns:p="http://schemas.openxmlformats.org/presentationml/2006/main" xmlns:c="http://schemas.openxmlformats.org/drawingml/2006/chart" xmlns:dgm="http://schemas.openxmlformats.org/drawingml/2006/diagram" xmlns:o="urn:schemas-microsoft-com:office:office" xmlns:v="urn:schemas-microsoft-com:vml" xmlns:pvml="urn:schemas-microsoft-com:office:powerpoint" xmlns:com="http://schemas.openxmlformats.org/drawingml/2006/compatibility" xmlns:p14="http://schemas.microsoft.com/office/powerpoint/2010/main" xmlns:p15="http://schemas.microsoft.com/office/powerpoint/2012/main" xmlns:ahyp="http://schemas.microsoft.com/office/drawing/2018/hyperlinkcolor">
   <p:cSld>
@@ -6390,7 +6595,7 @@
             </a:pPr>
             <a:r>
               <a:rPr lang="en"/>
-              <a:t>Electric vs. Manual Bikes</a:t>
+              <a:t>Analysis: Electric vs. Manual Bikes</a:t>
             </a:r>
             <a:endParaRPr/>
           </a:p>
@@ -6513,7 +6718,7 @@
             </a:pPr>
             <a:r>
               <a:rPr lang="en"/>
-              <a:t>Final Dashboard Tools </a:t>
+              <a:t>About our Data </a:t>
             </a:r>
             <a:endParaRPr/>
           </a:p>
@@ -6554,9 +6759,123 @@
             </a:pPr>
             <a:r>
               <a:rPr lang="en"/>
-              <a:t>The tools we will use to create the final dashboard will be Tableau.</a:t>
+              <a:t>Our sample </a:t>
+            </a:r>
+            <a:r>
+              <a:rPr lang="en"/>
+              <a:t>CitiBike trip data that </a:t>
+            </a:r>
+            <a:r>
+              <a:rPr lang="en"/>
+              <a:t>includes the following: </a:t>
             </a:r>
             <a:endParaRPr/>
+          </a:p>
+          <a:p>
+            <a:pPr indent="-342900" lvl="1" marL="914400" rtl="0" algn="l">
+              <a:spcBef>
+                <a:spcPts val="0"/>
+              </a:spcBef>
+              <a:spcAft>
+                <a:spcPts val="0"/>
+              </a:spcAft>
+              <a:buSzPts val="1800"/>
+              <a:buChar char="○"/>
+            </a:pPr>
+            <a:r>
+              <a:rPr lang="en" sz="1800"/>
+              <a:t> </a:t>
+            </a:r>
+            <a:r>
+              <a:rPr lang="en" sz="1800"/>
+              <a:t>ride id</a:t>
+            </a:r>
+            <a:endParaRPr sz="1800"/>
+          </a:p>
+          <a:p>
+            <a:pPr indent="-342900" lvl="1" marL="914400" rtl="0" algn="l">
+              <a:spcBef>
+                <a:spcPts val="0"/>
+              </a:spcBef>
+              <a:spcAft>
+                <a:spcPts val="0"/>
+              </a:spcAft>
+              <a:buSzPts val="1800"/>
+              <a:buChar char="○"/>
+            </a:pPr>
+            <a:r>
+              <a:rPr lang="en" sz="1800"/>
+              <a:t>latitude/longitude</a:t>
+            </a:r>
+            <a:endParaRPr sz="1800"/>
+          </a:p>
+          <a:p>
+            <a:pPr indent="-342900" lvl="1" marL="914400" rtl="0" algn="l">
+              <a:spcBef>
+                <a:spcPts val="0"/>
+              </a:spcBef>
+              <a:spcAft>
+                <a:spcPts val="0"/>
+              </a:spcAft>
+              <a:buSzPts val="1800"/>
+              <a:buChar char="○"/>
+            </a:pPr>
+            <a:r>
+              <a:rPr lang="en" sz="1800"/>
+              <a:t>member status</a:t>
+            </a:r>
+            <a:endParaRPr sz="1800"/>
+          </a:p>
+          <a:p>
+            <a:pPr indent="-342900" lvl="1" marL="914400" rtl="0" algn="l">
+              <a:spcBef>
+                <a:spcPts val="0"/>
+              </a:spcBef>
+              <a:spcAft>
+                <a:spcPts val="0"/>
+              </a:spcAft>
+              <a:buSzPts val="1800"/>
+              <a:buChar char="○"/>
+            </a:pPr>
+            <a:r>
+              <a:rPr lang="en" sz="1800"/>
+              <a:t>ride type</a:t>
+            </a:r>
+            <a:endParaRPr sz="1800"/>
+          </a:p>
+          <a:p>
+            <a:pPr indent="-342900" lvl="1" marL="914400" rtl="0" algn="l">
+              <a:spcBef>
+                <a:spcPts val="0"/>
+              </a:spcBef>
+              <a:spcAft>
+                <a:spcPts val="0"/>
+              </a:spcAft>
+              <a:buSzPts val="1800"/>
+              <a:buChar char="○"/>
+            </a:pPr>
+            <a:r>
+              <a:rPr lang="en" sz="1800"/>
+              <a:t>station information</a:t>
+            </a:r>
+            <a:endParaRPr sz="1800"/>
+          </a:p>
+          <a:p>
+            <a:pPr indent="-342900" lvl="1" marL="914400" rtl="0" algn="l">
+              <a:spcBef>
+                <a:spcPts val="0"/>
+              </a:spcBef>
+              <a:spcAft>
+                <a:spcPts val="0"/>
+              </a:spcAft>
+              <a:buSzPts val="1800"/>
+              <a:buChar char="○"/>
+            </a:pPr>
+            <a:r>
+              <a:rPr lang="en" sz="1800"/>
+              <a:t> time details</a:t>
+            </a:r>
+            <a:endParaRPr sz="1800"/>
           </a:p>
           <a:p>
             <a:pPr indent="-342900" lvl="0" marL="457200" rtl="0" algn="l">
@@ -6571,33 +6890,9 @@
             </a:pPr>
             <a:r>
               <a:rPr lang="en"/>
-              <a:t>Tableau is a visual analytics platform </a:t>
+              <a:t>We will use our Machine Learning Model to predict if Electric or Manual Bikes are more popular among users</a:t>
             </a:r>
-            <a:r>
-              <a:rPr lang="en"/>
-              <a:t>that</a:t>
-            </a:r>
-            <a:r>
-              <a:rPr lang="en"/>
-              <a:t> </a:t>
-            </a:r>
-            <a:r>
-              <a:rPr lang="en"/>
-              <a:t>transforms data</a:t>
-            </a:r>
-            <a:r>
-              <a:rPr lang="en"/>
-              <a:t> into an engaging story for </a:t>
-            </a:r>
-            <a:r>
-              <a:rPr lang="en"/>
-              <a:t>any</a:t>
-            </a:r>
-            <a:r>
-              <a:rPr lang="en"/>
-              <a:t> audience.</a:t>
-            </a:r>
-            <a:endParaRPr/>
+            <a:endParaRPr sz="1800"/>
           </a:p>
         </p:txBody>
       </p:sp>
@@ -6660,7 +6955,7 @@
             </a:pPr>
             <a:r>
               <a:rPr lang="en"/>
-              <a:t>Interactive Elements </a:t>
+              <a:t>Final Dashboard Tools </a:t>
             </a:r>
             <a:endParaRPr/>
           </a:p>
@@ -6701,7 +6996,7 @@
             </a:pPr>
             <a:r>
               <a:rPr lang="en"/>
-              <a:t>Pie chart </a:t>
+              <a:t>The tools we will use to create the final dashboard will be Tableau.</a:t>
             </a:r>
             <a:endParaRPr/>
           </a:p>
@@ -6718,7 +7013,31 @@
             </a:pPr>
             <a:r>
               <a:rPr lang="en"/>
-              <a:t>Bar Chart</a:t>
+              <a:t>Tableau is a visual analytics platform </a:t>
+            </a:r>
+            <a:r>
+              <a:rPr lang="en"/>
+              <a:t>that</a:t>
+            </a:r>
+            <a:r>
+              <a:rPr lang="en"/>
+              <a:t> </a:t>
+            </a:r>
+            <a:r>
+              <a:rPr lang="en"/>
+              <a:t>transforms data</a:t>
+            </a:r>
+            <a:r>
+              <a:rPr lang="en"/>
+              <a:t> into an engaging story for </a:t>
+            </a:r>
+            <a:r>
+              <a:rPr lang="en"/>
+              <a:t>any</a:t>
+            </a:r>
+            <a:r>
+              <a:rPr lang="en"/>
+              <a:t> audience.</a:t>
             </a:r>
             <a:endParaRPr/>
           </a:p>
@@ -6749,9 +7068,132 @@
           <a:chExt cx="0" cy="0"/>
         </a:xfrm>
       </p:grpSpPr>
+      <p:sp>
+        <p:nvSpPr>
+          <p:cNvPr id="78" name="Google Shape;78;p17"/>
+          <p:cNvSpPr txBox="1"/>
+          <p:nvPr>
+            <p:ph type="title"/>
+          </p:nvPr>
+        </p:nvSpPr>
+        <p:spPr>
+          <a:xfrm>
+            <a:off x="311700" y="445025"/>
+            <a:ext cx="8520600" cy="572700"/>
+          </a:xfrm>
+          <a:prstGeom prst="rect">
+            <a:avLst/>
+          </a:prstGeom>
+        </p:spPr>
+        <p:txBody>
+          <a:bodyPr anchorCtr="0" anchor="t" bIns="91425" lIns="91425" spcFirstLastPara="1" rIns="91425" wrap="square" tIns="91425">
+            <a:normAutofit fontScale="90000"/>
+          </a:bodyPr>
+          <a:lstStyle/>
+          <a:p>
+            <a:pPr indent="0" lvl="0" marL="0" rtl="0" algn="l">
+              <a:spcBef>
+                <a:spcPts val="0"/>
+              </a:spcBef>
+              <a:spcAft>
+                <a:spcPts val="0"/>
+              </a:spcAft>
+              <a:buNone/>
+            </a:pPr>
+            <a:r>
+              <a:rPr lang="en"/>
+              <a:t>Interactive Elements </a:t>
+            </a:r>
+            <a:endParaRPr/>
+          </a:p>
+        </p:txBody>
+      </p:sp>
+      <p:sp>
+        <p:nvSpPr>
+          <p:cNvPr id="79" name="Google Shape;79;p17"/>
+          <p:cNvSpPr txBox="1"/>
+          <p:nvPr>
+            <p:ph idx="1" type="body"/>
+          </p:nvPr>
+        </p:nvSpPr>
+        <p:spPr>
+          <a:xfrm>
+            <a:off x="311700" y="1152475"/>
+            <a:ext cx="8520600" cy="3416400"/>
+          </a:xfrm>
+          <a:prstGeom prst="rect">
+            <a:avLst/>
+          </a:prstGeom>
+        </p:spPr>
+        <p:txBody>
+          <a:bodyPr anchorCtr="0" anchor="t" bIns="91425" lIns="91425" spcFirstLastPara="1" rIns="91425" wrap="square" tIns="91425">
+            <a:normAutofit/>
+          </a:bodyPr>
+          <a:lstStyle/>
+          <a:p>
+            <a:pPr indent="-342900" lvl="0" marL="457200" rtl="0" algn="l">
+              <a:spcBef>
+                <a:spcPts val="0"/>
+              </a:spcBef>
+              <a:spcAft>
+                <a:spcPts val="0"/>
+              </a:spcAft>
+              <a:buSzPts val="1800"/>
+              <a:buChar char="●"/>
+            </a:pPr>
+            <a:r>
+              <a:rPr lang="en"/>
+              <a:t>Pie chart </a:t>
+            </a:r>
+            <a:endParaRPr/>
+          </a:p>
+          <a:p>
+            <a:pPr indent="-342900" lvl="0" marL="457200" rtl="0" algn="l">
+              <a:spcBef>
+                <a:spcPts val="0"/>
+              </a:spcBef>
+              <a:spcAft>
+                <a:spcPts val="0"/>
+              </a:spcAft>
+              <a:buSzPts val="1800"/>
+              <a:buChar char="●"/>
+            </a:pPr>
+            <a:r>
+              <a:rPr lang="en"/>
+              <a:t>Bar Chart</a:t>
+            </a:r>
+            <a:endParaRPr/>
+          </a:p>
+        </p:txBody>
+      </p:sp>
+    </p:spTree>
+  </p:cSld>
+  <p:clrMapOvr>
+    <a:masterClrMapping/>
+  </p:clrMapOvr>
+</p:sld>
+</file>
+
+<file path=ppt/slides/slide6.xml><?xml version="1.0" encoding="utf-8"?>
+<p:sld xmlns:a="http://schemas.openxmlformats.org/drawingml/2006/main" xmlns:r="http://schemas.openxmlformats.org/officeDocument/2006/relationships" xmlns:mc="http://schemas.openxmlformats.org/markup-compatibility/2006" xmlns:mv="urn:schemas-microsoft-com:mac:vml" xmlns:p="http://schemas.openxmlformats.org/presentationml/2006/main" xmlns:c="http://schemas.openxmlformats.org/drawingml/2006/chart" xmlns:dgm="http://schemas.openxmlformats.org/drawingml/2006/diagram" xmlns:o="urn:schemas-microsoft-com:office:office" xmlns:v="urn:schemas-microsoft-com:vml" xmlns:pvml="urn:schemas-microsoft-com:office:powerpoint" xmlns:com="http://schemas.openxmlformats.org/drawingml/2006/compatibility" xmlns:p14="http://schemas.microsoft.com/office/powerpoint/2010/main" xmlns:p15="http://schemas.microsoft.com/office/powerpoint/2012/main" xmlns:ahyp="http://schemas.microsoft.com/office/drawing/2018/hyperlinkcolor">
+  <p:cSld>
+    <p:spTree>
+      <p:nvGrpSpPr>
+        <p:cNvPr id="83" name="Shape 83"/>
+        <p:cNvGrpSpPr/>
+        <p:nvPr/>
+      </p:nvGrpSpPr>
+      <p:grpSpPr>
+        <a:xfrm>
+          <a:off x="0" y="0"/>
+          <a:ext cx="0" cy="0"/>
+          <a:chOff x="0" y="0"/>
+          <a:chExt cx="0" cy="0"/>
+        </a:xfrm>
+      </p:grpSpPr>
       <p:pic>
         <p:nvPicPr>
-          <p:cNvPr id="78" name="Google Shape;78;p17"/>
+          <p:cNvPr id="84" name="Google Shape;84;p18"/>
           <p:cNvPicPr preferRelativeResize="0"/>
           <p:nvPr/>
         </p:nvPicPr>
@@ -6779,102 +7221,6 @@
       </p:pic>
       <p:sp>
         <p:nvSpPr>
-          <p:cNvPr id="79" name="Google Shape;79;p17"/>
-          <p:cNvSpPr txBox="1"/>
-          <p:nvPr>
-            <p:ph type="title"/>
-          </p:nvPr>
-        </p:nvSpPr>
-        <p:spPr>
-          <a:xfrm>
-            <a:off x="311700" y="445025"/>
-            <a:ext cx="8520600" cy="572700"/>
-          </a:xfrm>
-          <a:prstGeom prst="rect">
-            <a:avLst/>
-          </a:prstGeom>
-        </p:spPr>
-        <p:txBody>
-          <a:bodyPr anchorCtr="0" anchor="t" bIns="91425" lIns="91425" spcFirstLastPara="1" rIns="91425" wrap="square" tIns="91425">
-            <a:normAutofit fontScale="90000"/>
-          </a:bodyPr>
-          <a:lstStyle/>
-          <a:p>
-            <a:pPr indent="0" lvl="0" marL="0" rtl="0" algn="l">
-              <a:spcBef>
-                <a:spcPts val="0"/>
-              </a:spcBef>
-              <a:spcAft>
-                <a:spcPts val="0"/>
-              </a:spcAft>
-              <a:buNone/>
-            </a:pPr>
-            <a:r>
-              <a:rPr lang="en"/>
-              <a:t>Images from </a:t>
-            </a:r>
-            <a:r>
-              <a:rPr lang="en"/>
-              <a:t>initial analysis </a:t>
-            </a:r>
-            <a:endParaRPr/>
-          </a:p>
-        </p:txBody>
-      </p:sp>
-      <p:pic>
-        <p:nvPicPr>
-          <p:cNvPr id="80" name="Google Shape;80;p17"/>
-          <p:cNvPicPr preferRelativeResize="0"/>
-          <p:nvPr/>
-        </p:nvPicPr>
-        <p:blipFill rotWithShape="1">
-          <a:blip r:embed="rId4">
-            <a:alphaModFix/>
-          </a:blip>
-          <a:srcRect b="4180" l="0" r="0" t="-4180"/>
-          <a:stretch/>
-        </p:blipFill>
-        <p:spPr>
-          <a:xfrm>
-            <a:off x="3884400" y="1242013"/>
-            <a:ext cx="5157176" cy="3162800"/>
-          </a:xfrm>
-          <a:prstGeom prst="rect">
-            <a:avLst/>
-          </a:prstGeom>
-          <a:noFill/>
-          <a:ln>
-            <a:noFill/>
-          </a:ln>
-        </p:spPr>
-      </p:pic>
-    </p:spTree>
-  </p:cSld>
-  <p:clrMapOvr>
-    <a:masterClrMapping/>
-  </p:clrMapOvr>
-</p:sld>
-</file>
-
-<file path=ppt/slides/slide6.xml><?xml version="1.0" encoding="utf-8"?>
-<p:sld xmlns:a="http://schemas.openxmlformats.org/drawingml/2006/main" xmlns:r="http://schemas.openxmlformats.org/officeDocument/2006/relationships" xmlns:mc="http://schemas.openxmlformats.org/markup-compatibility/2006" xmlns:mv="urn:schemas-microsoft-com:mac:vml" xmlns:p="http://schemas.openxmlformats.org/presentationml/2006/main" xmlns:c="http://schemas.openxmlformats.org/drawingml/2006/chart" xmlns:dgm="http://schemas.openxmlformats.org/drawingml/2006/diagram" xmlns:o="urn:schemas-microsoft-com:office:office" xmlns:v="urn:schemas-microsoft-com:vml" xmlns:pvml="urn:schemas-microsoft-com:office:powerpoint" xmlns:com="http://schemas.openxmlformats.org/drawingml/2006/compatibility" xmlns:p14="http://schemas.microsoft.com/office/powerpoint/2010/main" xmlns:p15="http://schemas.microsoft.com/office/powerpoint/2012/main" xmlns:ahyp="http://schemas.microsoft.com/office/drawing/2018/hyperlinkcolor">
-  <p:cSld>
-    <p:spTree>
-      <p:nvGrpSpPr>
-        <p:cNvPr id="84" name="Shape 84"/>
-        <p:cNvGrpSpPr/>
-        <p:nvPr/>
-      </p:nvGrpSpPr>
-      <p:grpSpPr>
-        <a:xfrm>
-          <a:off x="0" y="0"/>
-          <a:ext cx="0" cy="0"/>
-          <a:chOff x="0" y="0"/>
-          <a:chExt cx="0" cy="0"/>
-        </a:xfrm>
-      </p:grpSpPr>
-      <p:sp>
-        <p:nvSpPr>
           <p:cNvPr id="85" name="Google Shape;85;p18"/>
           <p:cNvSpPr txBox="1"/>
           <p:nvPr>
@@ -6907,7 +7253,11 @@
             </a:pPr>
             <a:r>
               <a:rPr lang="en"/>
-              <a:t>Data from the Machine Learning Task </a:t>
+              <a:t>Images from </a:t>
+            </a:r>
+            <a:r>
+              <a:rPr lang="en"/>
+              <a:t>initial analysis </a:t>
             </a:r>
             <a:endParaRPr/>
           </a:p>
@@ -6919,18 +7269,17 @@
           <p:cNvPicPr preferRelativeResize="0"/>
           <p:nvPr/>
         </p:nvPicPr>
-        <p:blipFill>
-          <a:blip r:embed="rId3">
+        <p:blipFill rotWithShape="1">
+          <a:blip r:embed="rId4">
             <a:alphaModFix/>
           </a:blip>
-          <a:stretch>
-            <a:fillRect/>
-          </a:stretch>
+          <a:srcRect b="4180" l="0" r="0" t="-4180"/>
+          <a:stretch/>
         </p:blipFill>
         <p:spPr>
           <a:xfrm>
-            <a:off x="1760425" y="949850"/>
-            <a:ext cx="5256142" cy="3820976"/>
+            <a:off x="3884400" y="1242013"/>
+            <a:ext cx="5157176" cy="3162800"/>
           </a:xfrm>
           <a:prstGeom prst="rect">
             <a:avLst/>
@@ -6966,9 +7315,102 @@
           <a:chExt cx="0" cy="0"/>
         </a:xfrm>
       </p:grpSpPr>
+      <p:sp>
+        <p:nvSpPr>
+          <p:cNvPr id="91" name="Google Shape;91;p19"/>
+          <p:cNvSpPr txBox="1"/>
+          <p:nvPr>
+            <p:ph type="title"/>
+          </p:nvPr>
+        </p:nvSpPr>
+        <p:spPr>
+          <a:xfrm>
+            <a:off x="311700" y="445025"/>
+            <a:ext cx="8520600" cy="572700"/>
+          </a:xfrm>
+          <a:prstGeom prst="rect">
+            <a:avLst/>
+          </a:prstGeom>
+        </p:spPr>
+        <p:txBody>
+          <a:bodyPr anchorCtr="0" anchor="t" bIns="91425" lIns="91425" spcFirstLastPara="1" rIns="91425" wrap="square" tIns="91425">
+            <a:normAutofit fontScale="90000"/>
+          </a:bodyPr>
+          <a:lstStyle/>
+          <a:p>
+            <a:pPr indent="0" lvl="0" marL="0" rtl="0" algn="l">
+              <a:spcBef>
+                <a:spcPts val="0"/>
+              </a:spcBef>
+              <a:spcAft>
+                <a:spcPts val="0"/>
+              </a:spcAft>
+              <a:buNone/>
+            </a:pPr>
+            <a:r>
+              <a:rPr lang="en"/>
+              <a:t>Data from the Machine Learning Task </a:t>
+            </a:r>
+            <a:endParaRPr/>
+          </a:p>
+        </p:txBody>
+      </p:sp>
       <p:pic>
         <p:nvPicPr>
-          <p:cNvPr id="91" name="Google Shape;91;p19"/>
+          <p:cNvPr id="92" name="Google Shape;92;p19"/>
+          <p:cNvPicPr preferRelativeResize="0"/>
+          <p:nvPr/>
+        </p:nvPicPr>
+        <p:blipFill>
+          <a:blip r:embed="rId3">
+            <a:alphaModFix/>
+          </a:blip>
+          <a:stretch>
+            <a:fillRect/>
+          </a:stretch>
+        </p:blipFill>
+        <p:spPr>
+          <a:xfrm>
+            <a:off x="1760425" y="949850"/>
+            <a:ext cx="5256142" cy="3820976"/>
+          </a:xfrm>
+          <a:prstGeom prst="rect">
+            <a:avLst/>
+          </a:prstGeom>
+          <a:noFill/>
+          <a:ln>
+            <a:noFill/>
+          </a:ln>
+        </p:spPr>
+      </p:pic>
+    </p:spTree>
+  </p:cSld>
+  <p:clrMapOvr>
+    <a:masterClrMapping/>
+  </p:clrMapOvr>
+</p:sld>
+</file>
+
+<file path=ppt/slides/slide8.xml><?xml version="1.0" encoding="utf-8"?>
+<p:sld xmlns:a="http://schemas.openxmlformats.org/drawingml/2006/main" xmlns:r="http://schemas.openxmlformats.org/officeDocument/2006/relationships" xmlns:mc="http://schemas.openxmlformats.org/markup-compatibility/2006" xmlns:mv="urn:schemas-microsoft-com:mac:vml" xmlns:p="http://schemas.openxmlformats.org/presentationml/2006/main" xmlns:c="http://schemas.openxmlformats.org/drawingml/2006/chart" xmlns:dgm="http://schemas.openxmlformats.org/drawingml/2006/diagram" xmlns:o="urn:schemas-microsoft-com:office:office" xmlns:v="urn:schemas-microsoft-com:vml" xmlns:pvml="urn:schemas-microsoft-com:office:powerpoint" xmlns:com="http://schemas.openxmlformats.org/drawingml/2006/compatibility" xmlns:p14="http://schemas.microsoft.com/office/powerpoint/2010/main" xmlns:p15="http://schemas.microsoft.com/office/powerpoint/2012/main" xmlns:ahyp="http://schemas.microsoft.com/office/drawing/2018/hyperlinkcolor">
+  <p:cSld>
+    <p:spTree>
+      <p:nvGrpSpPr>
+        <p:cNvPr id="96" name="Shape 96"/>
+        <p:cNvGrpSpPr/>
+        <p:nvPr/>
+      </p:nvGrpSpPr>
+      <p:grpSpPr>
+        <a:xfrm>
+          <a:off x="0" y="0"/>
+          <a:ext cx="0" cy="0"/>
+          <a:chOff x="0" y="0"/>
+          <a:chExt cx="0" cy="0"/>
+        </a:xfrm>
+      </p:grpSpPr>
+      <p:pic>
+        <p:nvPicPr>
+          <p:cNvPr id="97" name="Google Shape;97;p20"/>
           <p:cNvPicPr preferRelativeResize="0"/>
           <p:nvPr/>
         </p:nvPicPr>
@@ -7001,12 +7443,12 @@
 </p:sld>
 </file>
 
-<file path=ppt/slides/slide8.xml><?xml version="1.0" encoding="utf-8"?>
+<file path=ppt/slides/slide9.xml><?xml version="1.0" encoding="utf-8"?>
 <p:sld xmlns:a="http://schemas.openxmlformats.org/drawingml/2006/main" xmlns:r="http://schemas.openxmlformats.org/officeDocument/2006/relationships" xmlns:mc="http://schemas.openxmlformats.org/markup-compatibility/2006" xmlns:mv="urn:schemas-microsoft-com:mac:vml" xmlns:p="http://schemas.openxmlformats.org/presentationml/2006/main" xmlns:c="http://schemas.openxmlformats.org/drawingml/2006/chart" xmlns:dgm="http://schemas.openxmlformats.org/drawingml/2006/diagram" xmlns:o="urn:schemas-microsoft-com:office:office" xmlns:v="urn:schemas-microsoft-com:vml" xmlns:pvml="urn:schemas-microsoft-com:office:powerpoint" xmlns:com="http://schemas.openxmlformats.org/drawingml/2006/compatibility" xmlns:p14="http://schemas.microsoft.com/office/powerpoint/2010/main" xmlns:p15="http://schemas.microsoft.com/office/powerpoint/2012/main" xmlns:ahyp="http://schemas.microsoft.com/office/drawing/2018/hyperlinkcolor">
   <p:cSld>
     <p:spTree>
       <p:nvGrpSpPr>
-        <p:cNvPr id="95" name="Shape 95"/>
+        <p:cNvPr id="101" name="Shape 101"/>
         <p:cNvGrpSpPr/>
         <p:nvPr/>
       </p:nvGrpSpPr>
@@ -7020,7 +7462,7 @@
       </p:grpSpPr>
       <p:pic>
         <p:nvPicPr>
-          <p:cNvPr id="96" name="Google Shape;96;p20"/>
+          <p:cNvPr id="102" name="Google Shape;102;p21"/>
           <p:cNvPicPr preferRelativeResize="0"/>
           <p:nvPr/>
         </p:nvPicPr>
@@ -7054,112 +7496,286 @@
 </p:sld>
 </file>
 
-<file path=ppt/slides/slide9.xml><?xml version="1.0" encoding="utf-8"?>
-<p:sld xmlns:a="http://schemas.openxmlformats.org/drawingml/2006/main" xmlns:r="http://schemas.openxmlformats.org/officeDocument/2006/relationships" xmlns:mc="http://schemas.openxmlformats.org/markup-compatibility/2006" xmlns:mv="urn:schemas-microsoft-com:mac:vml" xmlns:p="http://schemas.openxmlformats.org/presentationml/2006/main" xmlns:c="http://schemas.openxmlformats.org/drawingml/2006/chart" xmlns:dgm="http://schemas.openxmlformats.org/drawingml/2006/diagram" xmlns:o="urn:schemas-microsoft-com:office:office" xmlns:v="urn:schemas-microsoft-com:vml" xmlns:pvml="urn:schemas-microsoft-com:office:powerpoint" xmlns:com="http://schemas.openxmlformats.org/drawingml/2006/compatibility" xmlns:p14="http://schemas.microsoft.com/office/powerpoint/2010/main" xmlns:p15="http://schemas.microsoft.com/office/powerpoint/2012/main" xmlns:ahyp="http://schemas.microsoft.com/office/drawing/2018/hyperlinkcolor">
-  <p:cSld>
-    <p:spTree>
-      <p:nvGrpSpPr>
-        <p:cNvPr id="100" name="Shape 100"/>
-        <p:cNvGrpSpPr/>
-        <p:nvPr/>
-      </p:nvGrpSpPr>
-      <p:grpSpPr>
-        <a:xfrm>
-          <a:off x="0" y="0"/>
-          <a:ext cx="0" cy="0"/>
-          <a:chOff x="0" y="0"/>
-          <a:chExt cx="0" cy="0"/>
-        </a:xfrm>
-      </p:grpSpPr>
-      <p:sp>
-        <p:nvSpPr>
-          <p:cNvPr id="101" name="Google Shape;101;p21"/>
-          <p:cNvSpPr txBox="1"/>
-          <p:nvPr>
-            <p:ph type="ctrTitle"/>
-          </p:nvPr>
-        </p:nvSpPr>
-        <p:spPr>
-          <a:xfrm>
-            <a:off x="311708" y="744575"/>
-            <a:ext cx="8520600" cy="2052600"/>
-          </a:xfrm>
-          <a:prstGeom prst="rect">
-            <a:avLst/>
-          </a:prstGeom>
-        </p:spPr>
-        <p:txBody>
-          <a:bodyPr anchorCtr="0" anchor="b" bIns="91425" lIns="91425" spcFirstLastPara="1" rIns="91425" wrap="square" tIns="91425">
-            <a:normAutofit/>
-          </a:bodyPr>
-          <a:lstStyle/>
-          <a:p>
-            <a:pPr indent="0" lvl="0" marL="0" rtl="0" algn="ctr">
-              <a:spcBef>
-                <a:spcPts val="0"/>
-              </a:spcBef>
-              <a:spcAft>
-                <a:spcPts val="0"/>
-              </a:spcAft>
-              <a:buNone/>
-            </a:pPr>
-            <a:r>
-              <a:rPr lang="en"/>
-              <a:t>Interactive Element</a:t>
-            </a:r>
-            <a:endParaRPr/>
-          </a:p>
-        </p:txBody>
-      </p:sp>
-      <p:sp>
-        <p:nvSpPr>
-          <p:cNvPr id="102" name="Google Shape;102;p21"/>
-          <p:cNvSpPr txBox="1"/>
-          <p:nvPr>
-            <p:ph idx="1" type="subTitle"/>
-          </p:nvPr>
-        </p:nvSpPr>
-        <p:spPr>
-          <a:xfrm>
-            <a:off x="311700" y="2834125"/>
-            <a:ext cx="8520600" cy="792600"/>
-          </a:xfrm>
-          <a:prstGeom prst="rect">
-            <a:avLst/>
-          </a:prstGeom>
-        </p:spPr>
-        <p:txBody>
-          <a:bodyPr anchorCtr="0" anchor="t" bIns="91425" lIns="91425" spcFirstLastPara="1" rIns="91425" wrap="square" tIns="91425">
-            <a:normAutofit/>
-          </a:bodyPr>
-          <a:lstStyle/>
-          <a:p>
-            <a:pPr indent="0" lvl="0" marL="0" rtl="0" algn="ctr">
-              <a:spcBef>
-                <a:spcPts val="0"/>
-              </a:spcBef>
-              <a:spcAft>
-                <a:spcPts val="0"/>
-              </a:spcAft>
-              <a:buNone/>
-            </a:pPr>
-            <a:r>
-              <a:rPr lang="en"/>
-              <a:t>[Paige’s tableau link]</a:t>
-            </a:r>
-            <a:endParaRPr/>
-          </a:p>
-        </p:txBody>
-      </p:sp>
-    </p:spTree>
-  </p:cSld>
-  <p:clrMapOvr>
-    <a:masterClrMapping/>
-  </p:clrMapOvr>
-</p:sld>
+<file path=ppt/theme/theme1.xml><?xml version="1.0" encoding="utf-8"?>
+<a:theme xmlns:a="http://schemas.openxmlformats.org/drawingml/2006/main" xmlns:r="http://schemas.openxmlformats.org/officeDocument/2006/relationships">
+  <a:themeElements>
+    <a:clrScheme name="Default">
+      <a:dk1>
+        <a:srgbClr val="000000"/>
+      </a:dk1>
+      <a:lt1>
+        <a:srgbClr val="FFFFFF"/>
+      </a:lt1>
+      <a:dk2>
+        <a:srgbClr val="158158"/>
+      </a:dk2>
+      <a:lt2>
+        <a:srgbClr val="F3F3F3"/>
+      </a:lt2>
+      <a:accent1>
+        <a:srgbClr val="058DC7"/>
+      </a:accent1>
+      <a:accent2>
+        <a:srgbClr val="50B432"/>
+      </a:accent2>
+      <a:accent3>
+        <a:srgbClr val="ED561B"/>
+      </a:accent3>
+      <a:accent4>
+        <a:srgbClr val="EDEF00"/>
+      </a:accent4>
+      <a:accent5>
+        <a:srgbClr val="24CBE5"/>
+      </a:accent5>
+      <a:accent6>
+        <a:srgbClr val="64E572"/>
+      </a:accent6>
+      <a:hlink>
+        <a:srgbClr val="2200CC"/>
+      </a:hlink>
+      <a:folHlink>
+        <a:srgbClr val="551A8B"/>
+      </a:folHlink>
+    </a:clrScheme>
+    <a:fontScheme name="Office">
+      <a:majorFont>
+        <a:latin typeface="Arial"/>
+        <a:ea typeface=""/>
+        <a:cs typeface=""/>
+        <a:font script="Jpan" typeface="ＭＳ Ｐゴシック"/>
+        <a:font script="Hang" typeface="맑은 고딕"/>
+        <a:font script="Hans" typeface="宋体"/>
+        <a:font script="Hant" typeface="新細明體"/>
+        <a:font script="Arab" typeface="Times New Roman"/>
+        <a:font script="Hebr" typeface="Times New Roman"/>
+        <a:font script="Thai" typeface="Angsana New"/>
+        <a:font script="Ethi" typeface="Nyala"/>
+        <a:font script="Beng" typeface="Vrinda"/>
+        <a:font script="Gujr" typeface="Shruti"/>
+        <a:font script="Khmr" typeface="MoolBoran"/>
+        <a:font script="Knda" typeface="Tunga"/>
+        <a:font script="Guru" typeface="Raavi"/>
+        <a:font script="Cans" typeface="Euphemia"/>
+        <a:font script="Cher" typeface="Plantagenet Cherokee"/>
+        <a:font script="Yiii" typeface="Microsoft Yi Baiti"/>
+        <a:font script="Tibt" typeface="Microsoft Himalaya"/>
+        <a:font script="Thaa" typeface="MV Boli"/>
+        <a:font script="Deva" typeface="Mangal"/>
+        <a:font script="Telu" typeface="Gautami"/>
+        <a:font script="Taml" typeface="Latha"/>
+        <a:font script="Syrc" typeface="Estrangelo Edessa"/>
+        <a:font script="Orya" typeface="Kalinga"/>
+        <a:font script="Mlym" typeface="Kartika"/>
+        <a:font script="Laoo" typeface="DokChampa"/>
+        <a:font script="Sinh" typeface="Iskoola Pota"/>
+        <a:font script="Mong" typeface="Mongolian Baiti"/>
+        <a:font script="Viet" typeface="Times New Roman"/>
+        <a:font script="Uigh" typeface="Microsoft Uighur"/>
+        <a:font script="Geor" typeface="Sylfaen"/>
+      </a:majorFont>
+      <a:minorFont>
+        <a:latin typeface="Arial"/>
+        <a:ea typeface=""/>
+        <a:cs typeface=""/>
+        <a:font script="Jpan" typeface="ＭＳ Ｐゴシック"/>
+        <a:font script="Hang" typeface="맑은 고딕"/>
+        <a:font script="Hans" typeface="宋体"/>
+        <a:font script="Hant" typeface="新細明體"/>
+        <a:font script="Arab" typeface="Arial"/>
+        <a:font script="Hebr" typeface="Arial"/>
+        <a:font script="Thai" typeface="Cordia New"/>
+        <a:font script="Ethi" typeface="Nyala"/>
+        <a:font script="Beng" typeface="Vrinda"/>
+        <a:font script="Gujr" typeface="Shruti"/>
+        <a:font script="Khmr" typeface="DaunPenh"/>
+        <a:font script="Knda" typeface="Tunga"/>
+        <a:font script="Guru" typeface="Raavi"/>
+        <a:font script="Cans" typeface="Euphemia"/>
+        <a:font script="Cher" typeface="Plantagenet Cherokee"/>
+        <a:font script="Yiii" typeface="Microsoft Yi Baiti"/>
+        <a:font script="Tibt" typeface="Microsoft Himalaya"/>
+        <a:font script="Thaa" typeface="MV Boli"/>
+        <a:font script="Deva" typeface="Mangal"/>
+        <a:font script="Telu" typeface="Gautami"/>
+        <a:font script="Taml" typeface="Latha"/>
+        <a:font script="Syrc" typeface="Estrangelo Edessa"/>
+        <a:font script="Orya" typeface="Kalinga"/>
+        <a:font script="Mlym" typeface="Kartika"/>
+        <a:font script="Laoo" typeface="DokChampa"/>
+        <a:font script="Sinh" typeface="Iskoola Pota"/>
+        <a:font script="Mong" typeface="Mongolian Baiti"/>
+        <a:font script="Viet" typeface="Arial"/>
+        <a:font script="Uigh" typeface="Microsoft Uighur"/>
+        <a:font script="Geor" typeface="Sylfaen"/>
+      </a:minorFont>
+    </a:fontScheme>
+    <a:fmtScheme name="Office">
+      <a:fillStyleLst>
+        <a:solidFill>
+          <a:schemeClr val="phClr"/>
+        </a:solidFill>
+        <a:gradFill rotWithShape="1">
+          <a:gsLst>
+            <a:gs pos="0">
+              <a:schemeClr val="phClr">
+                <a:tint val="50000"/>
+                <a:satMod val="300000"/>
+              </a:schemeClr>
+            </a:gs>
+            <a:gs pos="35000">
+              <a:schemeClr val="phClr">
+                <a:tint val="37000"/>
+                <a:satMod val="300000"/>
+              </a:schemeClr>
+            </a:gs>
+            <a:gs pos="100000">
+              <a:schemeClr val="phClr">
+                <a:tint val="15000"/>
+                <a:satMod val="350000"/>
+              </a:schemeClr>
+            </a:gs>
+          </a:gsLst>
+          <a:lin ang="16200000" scaled="1"/>
+        </a:gradFill>
+        <a:gradFill rotWithShape="1">
+          <a:gsLst>
+            <a:gs pos="0">
+              <a:schemeClr val="phClr">
+                <a:tint val="100000"/>
+                <a:shade val="100000"/>
+                <a:satMod val="130000"/>
+              </a:schemeClr>
+            </a:gs>
+            <a:gs pos="100000">
+              <a:schemeClr val="phClr">
+                <a:tint val="50000"/>
+                <a:shade val="100000"/>
+                <a:satMod val="350000"/>
+              </a:schemeClr>
+            </a:gs>
+          </a:gsLst>
+          <a:lin ang="16200000" scaled="0"/>
+        </a:gradFill>
+      </a:fillStyleLst>
+      <a:lnStyleLst>
+        <a:ln w="9525" cap="flat" cmpd="sng" algn="ctr">
+          <a:solidFill>
+            <a:schemeClr val="phClr">
+              <a:shade val="95000"/>
+              <a:satMod val="105000"/>
+            </a:schemeClr>
+          </a:solidFill>
+          <a:prstDash val="solid"/>
+        </a:ln>
+        <a:ln w="25400" cap="flat" cmpd="sng" algn="ctr">
+          <a:solidFill>
+            <a:schemeClr val="phClr"/>
+          </a:solidFill>
+          <a:prstDash val="solid"/>
+        </a:ln>
+        <a:ln w="38100" cap="flat" cmpd="sng" algn="ctr">
+          <a:solidFill>
+            <a:schemeClr val="phClr"/>
+          </a:solidFill>
+          <a:prstDash val="solid"/>
+        </a:ln>
+      </a:lnStyleLst>
+      <a:effectStyleLst>
+        <a:effectStyle>
+          <a:effectLst>
+            <a:outerShdw blurRad="40000" dist="20000" dir="5400000" rotWithShape="0">
+              <a:srgbClr val="000000">
+                <a:alpha val="38000"/>
+              </a:srgbClr>
+            </a:outerShdw>
+          </a:effectLst>
+        </a:effectStyle>
+        <a:effectStyle>
+          <a:effectLst>
+            <a:outerShdw blurRad="40000" dist="23000" dir="5400000" rotWithShape="0">
+              <a:srgbClr val="000000">
+                <a:alpha val="35000"/>
+              </a:srgbClr>
+            </a:outerShdw>
+          </a:effectLst>
+        </a:effectStyle>
+        <a:effectStyle>
+          <a:effectLst>
+            <a:outerShdw blurRad="40000" dist="23000" dir="5400000" rotWithShape="0">
+              <a:srgbClr val="000000">
+                <a:alpha val="35000"/>
+              </a:srgbClr>
+            </a:outerShdw>
+          </a:effectLst>
+          <a:scene3d>
+            <a:camera prst="orthographicFront">
+              <a:rot lat="0" lon="0" rev="0"/>
+            </a:camera>
+            <a:lightRig rig="threePt" dir="t">
+              <a:rot lat="0" lon="0" rev="1200000"/>
+            </a:lightRig>
+          </a:scene3d>
+          <a:sp3d>
+            <a:bevelT w="63500" h="25400"/>
+          </a:sp3d>
+        </a:effectStyle>
+      </a:effectStyleLst>
+      <a:bgFillStyleLst>
+        <a:solidFill>
+          <a:schemeClr val="phClr"/>
+        </a:solidFill>
+        <a:gradFill rotWithShape="1">
+          <a:gsLst>
+            <a:gs pos="0">
+              <a:schemeClr val="phClr">
+                <a:tint val="40000"/>
+                <a:satMod val="350000"/>
+              </a:schemeClr>
+            </a:gs>
+            <a:gs pos="40000">
+              <a:schemeClr val="phClr">
+                <a:tint val="45000"/>
+                <a:shade val="99000"/>
+                <a:satMod val="350000"/>
+              </a:schemeClr>
+            </a:gs>
+            <a:gs pos="100000">
+              <a:schemeClr val="phClr">
+                <a:shade val="20000"/>
+                <a:satMod val="255000"/>
+              </a:schemeClr>
+            </a:gs>
+          </a:gsLst>
+          <a:path path="circle">
+            <a:fillToRect l="50000" t="-80000" r="50000" b="180000"/>
+          </a:path>
+        </a:gradFill>
+        <a:gradFill rotWithShape="1">
+          <a:gsLst>
+            <a:gs pos="0">
+              <a:schemeClr val="phClr">
+                <a:tint val="80000"/>
+                <a:satMod val="300000"/>
+              </a:schemeClr>
+            </a:gs>
+            <a:gs pos="100000">
+              <a:schemeClr val="phClr">
+                <a:shade val="30000"/>
+                <a:satMod val="200000"/>
+              </a:schemeClr>
+            </a:gs>
+          </a:gsLst>
+          <a:path path="circle">
+            <a:fillToRect l="50000" t="50000" r="50000" b="50000"/>
+          </a:path>
+        </a:gradFill>
+      </a:bgFillStyleLst>
+    </a:fmtScheme>
+  </a:themeElements>
+</a:theme>
 </file>
 
-<file path=ppt/theme/theme1.xml><?xml version="1.0" encoding="utf-8"?>
+<file path=ppt/theme/theme2.xml><?xml version="1.0" encoding="utf-8"?>
 <a:theme xmlns:a="http://schemas.openxmlformats.org/drawingml/2006/main" xmlns:r="http://schemas.openxmlformats.org/officeDocument/2006/relationships" name="Simple Light">
   <a:themeElements>
     <a:clrScheme name="Simple Light">
@@ -7436,283 +8052,4 @@
     </a:fmtScheme>
   </a:themeElements>
 </a:theme>
-</file>
-
-<file path=ppt/theme/theme2.xml><?xml version="1.0" encoding="utf-8"?>
-<a:theme xmlns:a="http://schemas.openxmlformats.org/drawingml/2006/main" xmlns:r="http://schemas.openxmlformats.org/officeDocument/2006/relationships">
-  <a:themeElements>
-    <a:clrScheme name="Default">
-      <a:dk1>
-        <a:srgbClr val="000000"/>
-      </a:dk1>
-      <a:lt1>
-        <a:srgbClr val="FFFFFF"/>
-      </a:lt1>
-      <a:dk2>
-        <a:srgbClr val="158158"/>
-      </a:dk2>
-      <a:lt2>
-        <a:srgbClr val="F3F3F3"/>
-      </a:lt2>
-      <a:accent1>
-        <a:srgbClr val="058DC7"/>
-      </a:accent1>
-      <a:accent2>
-        <a:srgbClr val="50B432"/>
-      </a:accent2>
-      <a:accent3>
-        <a:srgbClr val="ED561B"/>
-      </a:accent3>
-      <a:accent4>
-        <a:srgbClr val="EDEF00"/>
-      </a:accent4>
-      <a:accent5>
-        <a:srgbClr val="24CBE5"/>
-      </a:accent5>
-      <a:accent6>
-        <a:srgbClr val="64E572"/>
-      </a:accent6>
-      <a:hlink>
-        <a:srgbClr val="2200CC"/>
-      </a:hlink>
-      <a:folHlink>
-        <a:srgbClr val="551A8B"/>
-      </a:folHlink>
-    </a:clrScheme>
-    <a:fontScheme name="Office">
-      <a:majorFont>
-        <a:latin typeface="Arial"/>
-        <a:ea typeface=""/>
-        <a:cs typeface=""/>
-        <a:font script="Jpan" typeface="ＭＳ Ｐゴシック"/>
-        <a:font script="Hang" typeface="맑은 고딕"/>
-        <a:font script="Hans" typeface="宋体"/>
-        <a:font script="Hant" typeface="新細明體"/>
-        <a:font script="Arab" typeface="Times New Roman"/>
-        <a:font script="Hebr" typeface="Times New Roman"/>
-        <a:font script="Thai" typeface="Angsana New"/>
-        <a:font script="Ethi" typeface="Nyala"/>
-        <a:font script="Beng" typeface="Vrinda"/>
-        <a:font script="Gujr" typeface="Shruti"/>
-        <a:font script="Khmr" typeface="MoolBoran"/>
-        <a:font script="Knda" typeface="Tunga"/>
-        <a:font script="Guru" typeface="Raavi"/>
-        <a:font script="Cans" typeface="Euphemia"/>
-        <a:font script="Cher" typeface="Plantagenet Cherokee"/>
-        <a:font script="Yiii" typeface="Microsoft Yi Baiti"/>
-        <a:font script="Tibt" typeface="Microsoft Himalaya"/>
-        <a:font script="Thaa" typeface="MV Boli"/>
-        <a:font script="Deva" typeface="Mangal"/>
-        <a:font script="Telu" typeface="Gautami"/>
-        <a:font script="Taml" typeface="Latha"/>
-        <a:font script="Syrc" typeface="Estrangelo Edessa"/>
-        <a:font script="Orya" typeface="Kalinga"/>
-        <a:font script="Mlym" typeface="Kartika"/>
-        <a:font script="Laoo" typeface="DokChampa"/>
-        <a:font script="Sinh" typeface="Iskoola Pota"/>
-        <a:font script="Mong" typeface="Mongolian Baiti"/>
-        <a:font script="Viet" typeface="Times New Roman"/>
-        <a:font script="Uigh" typeface="Microsoft Uighur"/>
-        <a:font script="Geor" typeface="Sylfaen"/>
-      </a:majorFont>
-      <a:minorFont>
-        <a:latin typeface="Arial"/>
-        <a:ea typeface=""/>
-        <a:cs typeface=""/>
-        <a:font script="Jpan" typeface="ＭＳ Ｐゴシック"/>
-        <a:font script="Hang" typeface="맑은 고딕"/>
-        <a:font script="Hans" typeface="宋体"/>
-        <a:font script="Hant" typeface="新細明體"/>
-        <a:font script="Arab" typeface="Arial"/>
-        <a:font script="Hebr" typeface="Arial"/>
-        <a:font script="Thai" typeface="Cordia New"/>
-        <a:font script="Ethi" typeface="Nyala"/>
-        <a:font script="Beng" typeface="Vrinda"/>
-        <a:font script="Gujr" typeface="Shruti"/>
-        <a:font script="Khmr" typeface="DaunPenh"/>
-        <a:font script="Knda" typeface="Tunga"/>
-        <a:font script="Guru" typeface="Raavi"/>
-        <a:font script="Cans" typeface="Euphemia"/>
-        <a:font script="Cher" typeface="Plantagenet Cherokee"/>
-        <a:font script="Yiii" typeface="Microsoft Yi Baiti"/>
-        <a:font script="Tibt" typeface="Microsoft Himalaya"/>
-        <a:font script="Thaa" typeface="MV Boli"/>
-        <a:font script="Deva" typeface="Mangal"/>
-        <a:font script="Telu" typeface="Gautami"/>
-        <a:font script="Taml" typeface="Latha"/>
-        <a:font script="Syrc" typeface="Estrangelo Edessa"/>
-        <a:font script="Orya" typeface="Kalinga"/>
-        <a:font script="Mlym" typeface="Kartika"/>
-        <a:font script="Laoo" typeface="DokChampa"/>
-        <a:font script="Sinh" typeface="Iskoola Pota"/>
-        <a:font script="Mong" typeface="Mongolian Baiti"/>
-        <a:font script="Viet" typeface="Arial"/>
-        <a:font script="Uigh" typeface="Microsoft Uighur"/>
-        <a:font script="Geor" typeface="Sylfaen"/>
-      </a:minorFont>
-    </a:fontScheme>
-    <a:fmtScheme name="Office">
-      <a:fillStyleLst>
-        <a:solidFill>
-          <a:schemeClr val="phClr"/>
-        </a:solidFill>
-        <a:gradFill rotWithShape="1">
-          <a:gsLst>
-            <a:gs pos="0">
-              <a:schemeClr val="phClr">
-                <a:tint val="50000"/>
-                <a:satMod val="300000"/>
-              </a:schemeClr>
-            </a:gs>
-            <a:gs pos="35000">
-              <a:schemeClr val="phClr">
-                <a:tint val="37000"/>
-                <a:satMod val="300000"/>
-              </a:schemeClr>
-            </a:gs>
-            <a:gs pos="100000">
-              <a:schemeClr val="phClr">
-                <a:tint val="15000"/>
-                <a:satMod val="350000"/>
-              </a:schemeClr>
-            </a:gs>
-          </a:gsLst>
-          <a:lin ang="16200000" scaled="1"/>
-        </a:gradFill>
-        <a:gradFill rotWithShape="1">
-          <a:gsLst>
-            <a:gs pos="0">
-              <a:schemeClr val="phClr">
-                <a:tint val="100000"/>
-                <a:shade val="100000"/>
-                <a:satMod val="130000"/>
-              </a:schemeClr>
-            </a:gs>
-            <a:gs pos="100000">
-              <a:schemeClr val="phClr">
-                <a:tint val="50000"/>
-                <a:shade val="100000"/>
-                <a:satMod val="350000"/>
-              </a:schemeClr>
-            </a:gs>
-          </a:gsLst>
-          <a:lin ang="16200000" scaled="0"/>
-        </a:gradFill>
-      </a:fillStyleLst>
-      <a:lnStyleLst>
-        <a:ln w="9525" cap="flat" cmpd="sng" algn="ctr">
-          <a:solidFill>
-            <a:schemeClr val="phClr">
-              <a:shade val="95000"/>
-              <a:satMod val="105000"/>
-            </a:schemeClr>
-          </a:solidFill>
-          <a:prstDash val="solid"/>
-        </a:ln>
-        <a:ln w="25400" cap="flat" cmpd="sng" algn="ctr">
-          <a:solidFill>
-            <a:schemeClr val="phClr"/>
-          </a:solidFill>
-          <a:prstDash val="solid"/>
-        </a:ln>
-        <a:ln w="38100" cap="flat" cmpd="sng" algn="ctr">
-          <a:solidFill>
-            <a:schemeClr val="phClr"/>
-          </a:solidFill>
-          <a:prstDash val="solid"/>
-        </a:ln>
-      </a:lnStyleLst>
-      <a:effectStyleLst>
-        <a:effectStyle>
-          <a:effectLst>
-            <a:outerShdw blurRad="40000" dist="20000" dir="5400000" rotWithShape="0">
-              <a:srgbClr val="000000">
-                <a:alpha val="38000"/>
-              </a:srgbClr>
-            </a:outerShdw>
-          </a:effectLst>
-        </a:effectStyle>
-        <a:effectStyle>
-          <a:effectLst>
-            <a:outerShdw blurRad="40000" dist="23000" dir="5400000" rotWithShape="0">
-              <a:srgbClr val="000000">
-                <a:alpha val="35000"/>
-              </a:srgbClr>
-            </a:outerShdw>
-          </a:effectLst>
-        </a:effectStyle>
-        <a:effectStyle>
-          <a:effectLst>
-            <a:outerShdw blurRad="40000" dist="23000" dir="5400000" rotWithShape="0">
-              <a:srgbClr val="000000">
-                <a:alpha val="35000"/>
-              </a:srgbClr>
-            </a:outerShdw>
-          </a:effectLst>
-          <a:scene3d>
-            <a:camera prst="orthographicFront">
-              <a:rot lat="0" lon="0" rev="0"/>
-            </a:camera>
-            <a:lightRig rig="threePt" dir="t">
-              <a:rot lat="0" lon="0" rev="1200000"/>
-            </a:lightRig>
-          </a:scene3d>
-          <a:sp3d>
-            <a:bevelT w="63500" h="25400"/>
-          </a:sp3d>
-        </a:effectStyle>
-      </a:effectStyleLst>
-      <a:bgFillStyleLst>
-        <a:solidFill>
-          <a:schemeClr val="phClr"/>
-        </a:solidFill>
-        <a:gradFill rotWithShape="1">
-          <a:gsLst>
-            <a:gs pos="0">
-              <a:schemeClr val="phClr">
-                <a:tint val="40000"/>
-                <a:satMod val="350000"/>
-              </a:schemeClr>
-            </a:gs>
-            <a:gs pos="40000">
-              <a:schemeClr val="phClr">
-                <a:tint val="45000"/>
-                <a:shade val="99000"/>
-                <a:satMod val="350000"/>
-              </a:schemeClr>
-            </a:gs>
-            <a:gs pos="100000">
-              <a:schemeClr val="phClr">
-                <a:shade val="20000"/>
-                <a:satMod val="255000"/>
-              </a:schemeClr>
-            </a:gs>
-          </a:gsLst>
-          <a:path path="circle">
-            <a:fillToRect l="50000" t="-80000" r="50000" b="180000"/>
-          </a:path>
-        </a:gradFill>
-        <a:gradFill rotWithShape="1">
-          <a:gsLst>
-            <a:gs pos="0">
-              <a:schemeClr val="phClr">
-                <a:tint val="80000"/>
-                <a:satMod val="300000"/>
-              </a:schemeClr>
-            </a:gs>
-            <a:gs pos="100000">
-              <a:schemeClr val="phClr">
-                <a:shade val="30000"/>
-                <a:satMod val="200000"/>
-              </a:schemeClr>
-            </a:gs>
-          </a:gsLst>
-          <a:path path="circle">
-            <a:fillToRect l="50000" t="50000" r="50000" b="50000"/>
-          </a:path>
-        </a:gradFill>
-      </a:bgFillStyleLst>
-    </a:fmtScheme>
-  </a:themeElements>
-</a:theme>
 </file>